--- a/0 발표용 파워포인트/0403 1차발표/0403 project05 - 파워포인트 - 서희.pptx
+++ b/0 발표용 파워포인트/0403 1차발표/0403 project05 - 파워포인트 - 서희.pptx
@@ -9,12 +9,12 @@
   </p:notesMasterIdLst>
   <p:sldIdLst>
     <p:sldId id="256" r:id="rId2"/>
-    <p:sldId id="257" r:id="rId3"/>
-    <p:sldId id="258" r:id="rId4"/>
-    <p:sldId id="261" r:id="rId5"/>
-    <p:sldId id="271" r:id="rId6"/>
-    <p:sldId id="268" r:id="rId7"/>
-    <p:sldId id="270" r:id="rId8"/>
+    <p:sldId id="272" r:id="rId3"/>
+    <p:sldId id="273" r:id="rId4"/>
+    <p:sldId id="274" r:id="rId5"/>
+    <p:sldId id="275" r:id="rId6"/>
+    <p:sldId id="276" r:id="rId7"/>
+    <p:sldId id="277" r:id="rId8"/>
   </p:sldIdLst>
   <p:sldSz cx="12192000" cy="6858000"/>
   <p:notesSz cx="6858000" cy="9144000"/>
@@ -127,6 +127,9 @@
           </p15:clr>
         </p15:guide>
       </p15:sldGuideLst>
+    </p:ext>
+    <p:ext uri="{2D200454-40CA-4A62-9FC3-DE9A4176ACB9}">
+      <p15:notesGuideLst xmlns:p15="http://schemas.microsoft.com/office/powerpoint/2012/main"/>
     </p:ext>
   </p:extLst>
 </p:presentation>
@@ -569,939 +572,6 @@
 </p:notes>
 </file>
 
-<file path=ppt/notesSlides/notesSlide2.xml><?xml version="1.0" encoding="utf-8"?>
-<p:notes xmlns:a="http://schemas.openxmlformats.org/drawingml/2006/main" xmlns:r="http://schemas.openxmlformats.org/officeDocument/2006/relationships" xmlns:p="http://schemas.openxmlformats.org/presentationml/2006/main">
-  <p:cSld>
-    <p:spTree>
-      <p:nvGrpSpPr>
-        <p:cNvPr id="1" name=""/>
-        <p:cNvGrpSpPr/>
-        <p:nvPr/>
-      </p:nvGrpSpPr>
-      <p:grpSpPr>
-        <a:xfrm>
-          <a:off x="0" y="0"/>
-          <a:ext cx="0" cy="0"/>
-          <a:chOff x="0" y="0"/>
-          <a:chExt cx="0" cy="0"/>
-        </a:xfrm>
-      </p:grpSpPr>
-      <p:sp>
-        <p:nvSpPr>
-          <p:cNvPr id="2" name="슬라이드 이미지 개체 틀 1"/>
-          <p:cNvSpPr>
-            <a:spLocks noGrp="1" noRot="1" noChangeAspect="1"/>
-          </p:cNvSpPr>
-          <p:nvPr>
-            <p:ph type="sldImg"/>
-          </p:nvPr>
-        </p:nvSpPr>
-        <p:spPr/>
-      </p:sp>
-      <p:sp>
-        <p:nvSpPr>
-          <p:cNvPr id="3" name="슬라이드 노트 개체 틀 2"/>
-          <p:cNvSpPr>
-            <a:spLocks noGrp="1"/>
-          </p:cNvSpPr>
-          <p:nvPr>
-            <p:ph type="body" idx="1"/>
-          </p:nvPr>
-        </p:nvSpPr>
-        <p:spPr>
-          <a:xfrm>
-            <a:off x="685800" y="4400550"/>
-            <a:ext cx="5486400" cy="2022021"/>
-          </a:xfrm>
-        </p:spPr>
-        <p:txBody>
-          <a:bodyPr/>
-          <a:lstStyle/>
-          <a:p>
-            <a:r>
-              <a:rPr lang="ko-KR" altLang="en-US" dirty="0" smtClean="0"/>
-              <a:t>세미나 상세페이지 </a:t>
-            </a:r>
-            <a:r>
-              <a:rPr lang="en-US" altLang="ko-KR" dirty="0" smtClean="0"/>
-              <a:t>: </a:t>
-            </a:r>
-          </a:p>
-          <a:p>
-            <a:endParaRPr lang="en-US" altLang="ko-KR" dirty="0" smtClean="0"/>
-          </a:p>
-          <a:p>
-            <a:r>
-              <a:rPr lang="en-US" altLang="ko-KR" dirty="0" smtClean="0"/>
-              <a:t>1. </a:t>
-            </a:r>
-            <a:r>
-              <a:rPr lang="ko-KR" altLang="en-US" dirty="0" err="1" smtClean="0"/>
-              <a:t>콘텐츠</a:t>
-            </a:r>
-            <a:endParaRPr lang="en-US" altLang="ko-KR" dirty="0" smtClean="0"/>
-          </a:p>
-          <a:p>
-            <a:pPr marL="171450" indent="-171450">
-              <a:buFontTx/>
-              <a:buChar char="-"/>
-            </a:pPr>
-            <a:r>
-              <a:rPr lang="ko-KR" altLang="en-US" dirty="0" smtClean="0"/>
-              <a:t>제목</a:t>
-            </a:r>
-            <a:r>
-              <a:rPr lang="en-US" altLang="ko-KR" dirty="0" smtClean="0"/>
-              <a:t>, </a:t>
-            </a:r>
-            <a:r>
-              <a:rPr lang="ko-KR" altLang="en-US" dirty="0" smtClean="0"/>
-              <a:t>부제목</a:t>
-            </a:r>
-            <a:r>
-              <a:rPr lang="en-US" altLang="ko-KR" dirty="0" smtClean="0"/>
-              <a:t>, </a:t>
-            </a:r>
-            <a:r>
-              <a:rPr lang="ko-KR" altLang="en-US" dirty="0" smtClean="0"/>
-              <a:t>대표이미지</a:t>
-            </a:r>
-            <a:r>
-              <a:rPr lang="en-US" altLang="ko-KR" dirty="0" smtClean="0"/>
-              <a:t>, </a:t>
-            </a:r>
-            <a:r>
-              <a:rPr lang="ko-KR" altLang="en-US" dirty="0" smtClean="0"/>
-              <a:t>소개</a:t>
-            </a:r>
-            <a:r>
-              <a:rPr lang="en-US" altLang="ko-KR" dirty="0" smtClean="0"/>
-              <a:t>, </a:t>
-            </a:r>
-            <a:r>
-              <a:rPr lang="ko-KR" altLang="en-US" dirty="0" smtClean="0"/>
-              <a:t>이용안내</a:t>
-            </a:r>
-            <a:r>
-              <a:rPr lang="en-US" altLang="ko-KR" dirty="0" smtClean="0"/>
-              <a:t>, </a:t>
-            </a:r>
-            <a:r>
-              <a:rPr lang="ko-KR" altLang="en-US" dirty="0" smtClean="0"/>
-              <a:t>유의사항</a:t>
-            </a:r>
-            <a:r>
-              <a:rPr lang="en-US" altLang="ko-KR" dirty="0" smtClean="0"/>
-              <a:t> </a:t>
-            </a:r>
-            <a:r>
-              <a:rPr lang="ko-KR" altLang="en-US" dirty="0" smtClean="0"/>
-              <a:t>등이 있는 페이지</a:t>
-            </a:r>
-            <a:endParaRPr lang="en-US" altLang="ko-KR" dirty="0" smtClean="0"/>
-          </a:p>
-          <a:p>
-            <a:pPr marL="171450" indent="-171450">
-              <a:buFontTx/>
-              <a:buChar char="-"/>
-            </a:pPr>
-            <a:r>
-              <a:rPr lang="ko-KR" altLang="en-US" dirty="0" smtClean="0"/>
-              <a:t>이용후기</a:t>
-            </a:r>
-            <a:r>
-              <a:rPr lang="en-US" altLang="ko-KR" dirty="0" smtClean="0"/>
-              <a:t>, </a:t>
-            </a:r>
-            <a:r>
-              <a:rPr lang="ko-KR" altLang="en-US" dirty="0" smtClean="0"/>
-              <a:t>세미나 주최자에게 문의 가능</a:t>
-            </a:r>
-            <a:r>
-              <a:rPr lang="en-US" altLang="ko-KR" dirty="0" smtClean="0"/>
-              <a:t>(</a:t>
-            </a:r>
-            <a:r>
-              <a:rPr lang="ko-KR" altLang="en-US" dirty="0" smtClean="0"/>
-              <a:t>슬라이드에는 없음</a:t>
-            </a:r>
-            <a:r>
-              <a:rPr lang="en-US" altLang="ko-KR" dirty="0" smtClean="0"/>
-              <a:t>)</a:t>
-            </a:r>
-          </a:p>
-          <a:p>
-            <a:pPr marL="171450" indent="-171450">
-              <a:buFontTx/>
-              <a:buChar char="-"/>
-            </a:pPr>
-            <a:endParaRPr lang="en-US" altLang="ko-KR" dirty="0"/>
-          </a:p>
-          <a:p>
-            <a:r>
-              <a:rPr lang="en-US" altLang="ko-KR" dirty="0" smtClean="0"/>
-              <a:t>2. </a:t>
-            </a:r>
-            <a:r>
-              <a:rPr lang="ko-KR" altLang="en-US" dirty="0" smtClean="0"/>
-              <a:t>세미나 정보</a:t>
-            </a:r>
-            <a:endParaRPr lang="en-US" altLang="ko-KR" dirty="0" smtClean="0"/>
-          </a:p>
-          <a:p>
-            <a:pPr marL="171450" indent="-171450">
-              <a:buFontTx/>
-              <a:buChar char="-"/>
-            </a:pPr>
-            <a:r>
-              <a:rPr lang="ko-KR" altLang="en-US" dirty="0" smtClean="0"/>
-              <a:t>우측에 고정 할 예정</a:t>
-            </a:r>
-            <a:r>
-              <a:rPr lang="en-US" altLang="ko-KR" dirty="0" smtClean="0"/>
-              <a:t>(fixed)</a:t>
-            </a:r>
-          </a:p>
-          <a:p>
-            <a:pPr marL="171450" indent="-171450">
-              <a:buFontTx/>
-              <a:buChar char="-"/>
-            </a:pPr>
-            <a:r>
-              <a:rPr lang="ko-KR" altLang="en-US" dirty="0" smtClean="0"/>
-              <a:t>세미나와 </a:t>
-            </a:r>
-            <a:r>
-              <a:rPr lang="ko-KR" altLang="en-US" dirty="0" err="1" smtClean="0"/>
-              <a:t>주최자등의</a:t>
-            </a:r>
-            <a:r>
-              <a:rPr lang="ko-KR" altLang="en-US" dirty="0" smtClean="0"/>
-              <a:t> 정보가 표시</a:t>
-            </a:r>
-            <a:endParaRPr lang="en-US" altLang="ko-KR" dirty="0" smtClean="0"/>
-          </a:p>
-          <a:p>
-            <a:pPr marL="171450" indent="-171450">
-              <a:buFontTx/>
-              <a:buChar char="-"/>
-            </a:pPr>
-            <a:r>
-              <a:rPr lang="ko-KR" altLang="en-US" dirty="0" smtClean="0"/>
-              <a:t>바로 예약하기 버튼 클릭하면 결제 페이지로 넘어감</a:t>
-            </a:r>
-            <a:endParaRPr lang="en-US" altLang="ko-KR" dirty="0" smtClean="0"/>
-          </a:p>
-          <a:p>
-            <a:endParaRPr lang="en-US" altLang="ko-KR" dirty="0" smtClean="0"/>
-          </a:p>
-          <a:p>
-            <a:pPr marL="171450" indent="-171450">
-              <a:buFontTx/>
-              <a:buChar char="-"/>
-            </a:pPr>
-            <a:endParaRPr lang="en-US" altLang="ko-KR" dirty="0"/>
-          </a:p>
-          <a:p>
-            <a:endParaRPr lang="ko-KR" altLang="en-US" dirty="0"/>
-          </a:p>
-        </p:txBody>
-      </p:sp>
-      <p:sp>
-        <p:nvSpPr>
-          <p:cNvPr id="4" name="슬라이드 번호 개체 틀 3"/>
-          <p:cNvSpPr>
-            <a:spLocks noGrp="1"/>
-          </p:cNvSpPr>
-          <p:nvPr>
-            <p:ph type="sldNum" sz="quarter" idx="10"/>
-          </p:nvPr>
-        </p:nvSpPr>
-        <p:spPr/>
-        <p:txBody>
-          <a:bodyPr/>
-          <a:lstStyle/>
-          <a:p>
-            <a:fld id="{CFDDCD2E-416C-42CA-95A4-05EC3697B7E4}" type="slidenum">
-              <a:rPr lang="ko-KR" altLang="en-US" smtClean="0"/>
-              <a:pPr/>
-              <a:t>2</a:t>
-            </a:fld>
-            <a:endParaRPr lang="ko-KR" altLang="en-US"/>
-          </a:p>
-        </p:txBody>
-      </p:sp>
-    </p:spTree>
-    <p:extLst>
-      <p:ext uri="{BB962C8B-B14F-4D97-AF65-F5344CB8AC3E}">
-        <p14:creationId xmlns:p14="http://schemas.microsoft.com/office/powerpoint/2010/main" val="3851717161"/>
-      </p:ext>
-    </p:extLst>
-  </p:cSld>
-  <p:clrMapOvr>
-    <a:masterClrMapping/>
-  </p:clrMapOvr>
-</p:notes>
-</file>
-
-<file path=ppt/notesSlides/notesSlide3.xml><?xml version="1.0" encoding="utf-8"?>
-<p:notes xmlns:a="http://schemas.openxmlformats.org/drawingml/2006/main" xmlns:r="http://schemas.openxmlformats.org/officeDocument/2006/relationships" xmlns:p="http://schemas.openxmlformats.org/presentationml/2006/main">
-  <p:cSld>
-    <p:spTree>
-      <p:nvGrpSpPr>
-        <p:cNvPr id="1" name=""/>
-        <p:cNvGrpSpPr/>
-        <p:nvPr/>
-      </p:nvGrpSpPr>
-      <p:grpSpPr>
-        <a:xfrm>
-          <a:off x="0" y="0"/>
-          <a:ext cx="0" cy="0"/>
-          <a:chOff x="0" y="0"/>
-          <a:chExt cx="0" cy="0"/>
-        </a:xfrm>
-      </p:grpSpPr>
-      <p:sp>
-        <p:nvSpPr>
-          <p:cNvPr id="2" name="슬라이드 이미지 개체 틀 1"/>
-          <p:cNvSpPr>
-            <a:spLocks noGrp="1" noRot="1" noChangeAspect="1"/>
-          </p:cNvSpPr>
-          <p:nvPr>
-            <p:ph type="sldImg"/>
-          </p:nvPr>
-        </p:nvSpPr>
-        <p:spPr/>
-      </p:sp>
-      <p:sp>
-        <p:nvSpPr>
-          <p:cNvPr id="4" name="슬라이드 번호 개체 틀 3"/>
-          <p:cNvSpPr>
-            <a:spLocks noGrp="1"/>
-          </p:cNvSpPr>
-          <p:nvPr>
-            <p:ph type="sldNum" sz="quarter" idx="10"/>
-          </p:nvPr>
-        </p:nvSpPr>
-        <p:spPr/>
-        <p:txBody>
-          <a:bodyPr/>
-          <a:lstStyle/>
-          <a:p>
-            <a:fld id="{CFDDCD2E-416C-42CA-95A4-05EC3697B7E4}" type="slidenum">
-              <a:rPr lang="ko-KR" altLang="en-US" smtClean="0"/>
-              <a:pPr/>
-              <a:t>3</a:t>
-            </a:fld>
-            <a:endParaRPr lang="ko-KR" altLang="en-US"/>
-          </a:p>
-        </p:txBody>
-      </p:sp>
-    </p:spTree>
-    <p:extLst>
-      <p:ext uri="{BB962C8B-B14F-4D97-AF65-F5344CB8AC3E}">
-        <p14:creationId xmlns:p14="http://schemas.microsoft.com/office/powerpoint/2010/main" val="211477899"/>
-      </p:ext>
-    </p:extLst>
-  </p:cSld>
-  <p:clrMapOvr>
-    <a:masterClrMapping/>
-  </p:clrMapOvr>
-</p:notes>
-</file>
-
-<file path=ppt/notesSlides/notesSlide4.xml><?xml version="1.0" encoding="utf-8"?>
-<p:notes xmlns:a="http://schemas.openxmlformats.org/drawingml/2006/main" xmlns:r="http://schemas.openxmlformats.org/officeDocument/2006/relationships" xmlns:p="http://schemas.openxmlformats.org/presentationml/2006/main">
-  <p:cSld>
-    <p:spTree>
-      <p:nvGrpSpPr>
-        <p:cNvPr id="1" name=""/>
-        <p:cNvGrpSpPr/>
-        <p:nvPr/>
-      </p:nvGrpSpPr>
-      <p:grpSpPr>
-        <a:xfrm>
-          <a:off x="0" y="0"/>
-          <a:ext cx="0" cy="0"/>
-          <a:chOff x="0" y="0"/>
-          <a:chExt cx="0" cy="0"/>
-        </a:xfrm>
-      </p:grpSpPr>
-      <p:sp>
-        <p:nvSpPr>
-          <p:cNvPr id="2" name="슬라이드 이미지 개체 틀 1"/>
-          <p:cNvSpPr>
-            <a:spLocks noGrp="1" noRot="1" noChangeAspect="1"/>
-          </p:cNvSpPr>
-          <p:nvPr>
-            <p:ph type="sldImg"/>
-          </p:nvPr>
-        </p:nvSpPr>
-        <p:spPr/>
-      </p:sp>
-      <p:sp>
-        <p:nvSpPr>
-          <p:cNvPr id="3" name="슬라이드 노트 개체 틀 2"/>
-          <p:cNvSpPr>
-            <a:spLocks noGrp="1"/>
-          </p:cNvSpPr>
-          <p:nvPr>
-            <p:ph type="body" idx="1"/>
-          </p:nvPr>
-        </p:nvSpPr>
-        <p:spPr>
-          <a:xfrm>
-            <a:off x="685800" y="4400550"/>
-            <a:ext cx="5486400" cy="1118507"/>
-          </a:xfrm>
-        </p:spPr>
-        <p:txBody>
-          <a:bodyPr/>
-          <a:lstStyle/>
-          <a:p>
-            <a:r>
-              <a:rPr lang="ko-KR" altLang="en-US" dirty="0" smtClean="0"/>
-              <a:t>세미나 결제 페이지 </a:t>
-            </a:r>
-            <a:r>
-              <a:rPr lang="en-US" altLang="ko-KR" dirty="0" smtClean="0"/>
-              <a:t>:</a:t>
-            </a:r>
-          </a:p>
-          <a:p>
-            <a:pPr marL="228600" indent="-228600">
-              <a:buAutoNum type="arabicPeriod"/>
-            </a:pPr>
-            <a:r>
-              <a:rPr lang="ko-KR" altLang="en-US" dirty="0" smtClean="0"/>
-              <a:t>세미나 정보</a:t>
-            </a:r>
-            <a:endParaRPr lang="en-US" altLang="ko-KR" dirty="0"/>
-          </a:p>
-          <a:p>
-            <a:r>
-              <a:rPr lang="en-US" altLang="ko-KR" dirty="0" smtClean="0"/>
-              <a:t>- </a:t>
-            </a:r>
-            <a:r>
-              <a:rPr lang="ko-KR" altLang="en-US" dirty="0" smtClean="0"/>
-              <a:t>세미나 제목</a:t>
-            </a:r>
-            <a:r>
-              <a:rPr lang="en-US" altLang="ko-KR" dirty="0" smtClean="0"/>
-              <a:t>, </a:t>
-            </a:r>
-            <a:r>
-              <a:rPr lang="ko-KR" altLang="en-US" dirty="0" smtClean="0"/>
-              <a:t>간략한 소개</a:t>
-            </a:r>
-            <a:endParaRPr lang="en-US" altLang="ko-KR" dirty="0" smtClean="0"/>
-          </a:p>
-          <a:p>
-            <a:r>
-              <a:rPr lang="en-US" altLang="ko-KR" dirty="0" smtClean="0"/>
-              <a:t>2. </a:t>
-            </a:r>
-            <a:r>
-              <a:rPr lang="ko-KR" altLang="en-US" dirty="0" smtClean="0"/>
-              <a:t>결제 예정 금액</a:t>
-            </a:r>
-            <a:endParaRPr lang="en-US" altLang="ko-KR" dirty="0" smtClean="0"/>
-          </a:p>
-          <a:p>
-            <a:r>
-              <a:rPr lang="en-US" altLang="ko-KR" dirty="0" smtClean="0"/>
-              <a:t>1</a:t>
-            </a:r>
-            <a:r>
-              <a:rPr lang="ko-KR" altLang="en-US" dirty="0" smtClean="0"/>
-              <a:t>인당 비용과 신청 인원을 곱해서 비용 산출</a:t>
-            </a:r>
-            <a:endParaRPr lang="ko-KR" altLang="en-US" dirty="0"/>
-          </a:p>
-        </p:txBody>
-      </p:sp>
-      <p:sp>
-        <p:nvSpPr>
-          <p:cNvPr id="4" name="슬라이드 번호 개체 틀 3"/>
-          <p:cNvSpPr>
-            <a:spLocks noGrp="1"/>
-          </p:cNvSpPr>
-          <p:nvPr>
-            <p:ph type="sldNum" sz="quarter" idx="10"/>
-          </p:nvPr>
-        </p:nvSpPr>
-        <p:spPr/>
-        <p:txBody>
-          <a:bodyPr/>
-          <a:lstStyle/>
-          <a:p>
-            <a:fld id="{CFDDCD2E-416C-42CA-95A4-05EC3697B7E4}" type="slidenum">
-              <a:rPr lang="ko-KR" altLang="en-US" smtClean="0"/>
-              <a:pPr/>
-              <a:t>4</a:t>
-            </a:fld>
-            <a:endParaRPr lang="ko-KR" altLang="en-US"/>
-          </a:p>
-        </p:txBody>
-      </p:sp>
-    </p:spTree>
-    <p:extLst>
-      <p:ext uri="{BB962C8B-B14F-4D97-AF65-F5344CB8AC3E}">
-        <p14:creationId xmlns:p14="http://schemas.microsoft.com/office/powerpoint/2010/main" val="529966097"/>
-      </p:ext>
-    </p:extLst>
-  </p:cSld>
-  <p:clrMapOvr>
-    <a:masterClrMapping/>
-  </p:clrMapOvr>
-</p:notes>
-</file>
-
-<file path=ppt/notesSlides/notesSlide5.xml><?xml version="1.0" encoding="utf-8"?>
-<p:notes xmlns:a="http://schemas.openxmlformats.org/drawingml/2006/main" xmlns:r="http://schemas.openxmlformats.org/officeDocument/2006/relationships" xmlns:p="http://schemas.openxmlformats.org/presentationml/2006/main">
-  <p:cSld>
-    <p:spTree>
-      <p:nvGrpSpPr>
-        <p:cNvPr id="1" name=""/>
-        <p:cNvGrpSpPr/>
-        <p:nvPr/>
-      </p:nvGrpSpPr>
-      <p:grpSpPr>
-        <a:xfrm>
-          <a:off x="0" y="0"/>
-          <a:ext cx="0" cy="0"/>
-          <a:chOff x="0" y="0"/>
-          <a:chExt cx="0" cy="0"/>
-        </a:xfrm>
-      </p:grpSpPr>
-      <p:sp>
-        <p:nvSpPr>
-          <p:cNvPr id="2" name="슬라이드 이미지 개체 틀 1"/>
-          <p:cNvSpPr>
-            <a:spLocks noGrp="1" noRot="1" noChangeAspect="1"/>
-          </p:cNvSpPr>
-          <p:nvPr>
-            <p:ph type="sldImg"/>
-          </p:nvPr>
-        </p:nvSpPr>
-        <p:spPr/>
-      </p:sp>
-      <p:sp>
-        <p:nvSpPr>
-          <p:cNvPr id="3" name="슬라이드 노트 개체 틀 2"/>
-          <p:cNvSpPr>
-            <a:spLocks noGrp="1"/>
-          </p:cNvSpPr>
-          <p:nvPr>
-            <p:ph type="body" idx="1"/>
-          </p:nvPr>
-        </p:nvSpPr>
-        <p:spPr>
-          <a:xfrm>
-            <a:off x="685800" y="4400550"/>
-            <a:ext cx="5486400" cy="726621"/>
-          </a:xfrm>
-        </p:spPr>
-        <p:txBody>
-          <a:bodyPr/>
-          <a:lstStyle/>
-          <a:p>
-            <a:r>
-              <a:rPr lang="ko-KR" altLang="en-US" dirty="0" smtClean="0"/>
-              <a:t>결제 신청 완료 페이지 </a:t>
-            </a:r>
-            <a:r>
-              <a:rPr lang="en-US" altLang="ko-KR" dirty="0" smtClean="0"/>
-              <a:t>: </a:t>
-            </a:r>
-          </a:p>
-          <a:p>
-            <a:pPr marL="171450" indent="-171450">
-              <a:buFontTx/>
-              <a:buChar char="-"/>
-            </a:pPr>
-            <a:r>
-              <a:rPr lang="ko-KR" altLang="en-US" dirty="0" smtClean="0"/>
-              <a:t>무통장 입금 계좌번호와 은행이 표시</a:t>
-            </a:r>
-            <a:endParaRPr lang="en-US" altLang="ko-KR" dirty="0" smtClean="0"/>
-          </a:p>
-          <a:p>
-            <a:r>
-              <a:rPr lang="en-US" altLang="ko-KR" dirty="0" smtClean="0"/>
-              <a:t>-  </a:t>
-            </a:r>
-            <a:r>
-              <a:rPr lang="ko-KR" altLang="en-US" dirty="0" smtClean="0"/>
-              <a:t>실제 사업을 한다면 무통장 입금이 </a:t>
-            </a:r>
-            <a:r>
-              <a:rPr lang="ko-KR" altLang="en-US" dirty="0" err="1" smtClean="0"/>
-              <a:t>확인되었을때</a:t>
-            </a:r>
-            <a:r>
-              <a:rPr lang="ko-KR" altLang="en-US" dirty="0" smtClean="0"/>
-              <a:t> 결제 완료 표시됨</a:t>
-            </a:r>
-            <a:endParaRPr lang="en-US" altLang="ko-KR" dirty="0" smtClean="0"/>
-          </a:p>
-        </p:txBody>
-      </p:sp>
-      <p:sp>
-        <p:nvSpPr>
-          <p:cNvPr id="4" name="슬라이드 번호 개체 틀 3"/>
-          <p:cNvSpPr>
-            <a:spLocks noGrp="1"/>
-          </p:cNvSpPr>
-          <p:nvPr>
-            <p:ph type="sldNum" sz="quarter" idx="10"/>
-          </p:nvPr>
-        </p:nvSpPr>
-        <p:spPr/>
-        <p:txBody>
-          <a:bodyPr/>
-          <a:lstStyle/>
-          <a:p>
-            <a:fld id="{CFDDCD2E-416C-42CA-95A4-05EC3697B7E4}" type="slidenum">
-              <a:rPr lang="ko-KR" altLang="en-US" smtClean="0"/>
-              <a:pPr/>
-              <a:t>5</a:t>
-            </a:fld>
-            <a:endParaRPr lang="ko-KR" altLang="en-US"/>
-          </a:p>
-        </p:txBody>
-      </p:sp>
-    </p:spTree>
-    <p:extLst>
-      <p:ext uri="{BB962C8B-B14F-4D97-AF65-F5344CB8AC3E}">
-        <p14:creationId xmlns:p14="http://schemas.microsoft.com/office/powerpoint/2010/main" val="2332362798"/>
-      </p:ext>
-    </p:extLst>
-  </p:cSld>
-  <p:clrMapOvr>
-    <a:masterClrMapping/>
-  </p:clrMapOvr>
-</p:notes>
-</file>
-
-<file path=ppt/notesSlides/notesSlide6.xml><?xml version="1.0" encoding="utf-8"?>
-<p:notes xmlns:a="http://schemas.openxmlformats.org/drawingml/2006/main" xmlns:r="http://schemas.openxmlformats.org/officeDocument/2006/relationships" xmlns:p="http://schemas.openxmlformats.org/presentationml/2006/main">
-  <p:cSld>
-    <p:spTree>
-      <p:nvGrpSpPr>
-        <p:cNvPr id="1" name=""/>
-        <p:cNvGrpSpPr/>
-        <p:nvPr/>
-      </p:nvGrpSpPr>
-      <p:grpSpPr>
-        <a:xfrm>
-          <a:off x="0" y="0"/>
-          <a:ext cx="0" cy="0"/>
-          <a:chOff x="0" y="0"/>
-          <a:chExt cx="0" cy="0"/>
-        </a:xfrm>
-      </p:grpSpPr>
-      <p:sp>
-        <p:nvSpPr>
-          <p:cNvPr id="2" name="슬라이드 이미지 개체 틀 1"/>
-          <p:cNvSpPr>
-            <a:spLocks noGrp="1" noRot="1" noChangeAspect="1"/>
-          </p:cNvSpPr>
-          <p:nvPr>
-            <p:ph type="sldImg"/>
-          </p:nvPr>
-        </p:nvSpPr>
-        <p:spPr/>
-      </p:sp>
-      <p:sp>
-        <p:nvSpPr>
-          <p:cNvPr id="3" name="슬라이드 노트 개체 틀 2"/>
-          <p:cNvSpPr>
-            <a:spLocks noGrp="1"/>
-          </p:cNvSpPr>
-          <p:nvPr>
-            <p:ph type="body" idx="1"/>
-          </p:nvPr>
-        </p:nvSpPr>
-        <p:spPr>
-          <a:xfrm>
-            <a:off x="685800" y="4400550"/>
-            <a:ext cx="5486400" cy="1118507"/>
-          </a:xfrm>
-        </p:spPr>
-        <p:txBody>
-          <a:bodyPr/>
-          <a:lstStyle/>
-          <a:p>
-            <a:r>
-              <a:rPr lang="ko-KR" altLang="en-US" dirty="0" smtClean="0"/>
-              <a:t>관리자 페이지 </a:t>
-            </a:r>
-            <a:r>
-              <a:rPr lang="en-US" altLang="ko-KR" dirty="0" smtClean="0"/>
-              <a:t>– </a:t>
-            </a:r>
-            <a:r>
-              <a:rPr lang="ko-KR" altLang="en-US" dirty="0" smtClean="0"/>
-              <a:t>세미나 예약관리</a:t>
-            </a:r>
-            <a:endParaRPr lang="en-US" altLang="ko-KR" dirty="0" smtClean="0"/>
-          </a:p>
-          <a:p>
-            <a:pPr marL="171450" indent="-171450">
-              <a:buFontTx/>
-              <a:buChar char="-"/>
-            </a:pPr>
-            <a:r>
-              <a:rPr lang="ko-KR" altLang="en-US" dirty="0" err="1" smtClean="0"/>
-              <a:t>세미나명</a:t>
-            </a:r>
-            <a:r>
-              <a:rPr lang="en-US" altLang="ko-KR" dirty="0" smtClean="0"/>
-              <a:t>, </a:t>
-            </a:r>
-            <a:r>
-              <a:rPr lang="ko-KR" altLang="en-US" dirty="0" smtClean="0"/>
-              <a:t>예약자수</a:t>
-            </a:r>
-            <a:r>
-              <a:rPr lang="en-US" altLang="ko-KR" dirty="0" smtClean="0"/>
-              <a:t>, </a:t>
-            </a:r>
-            <a:r>
-              <a:rPr lang="ko-KR" altLang="en-US" dirty="0" smtClean="0"/>
-              <a:t>세미나 일시</a:t>
-            </a:r>
-            <a:r>
-              <a:rPr lang="en-US" altLang="ko-KR" dirty="0" smtClean="0"/>
-              <a:t>, </a:t>
-            </a:r>
-            <a:r>
-              <a:rPr lang="ko-KR" altLang="en-US" dirty="0" smtClean="0"/>
-              <a:t>상태</a:t>
-            </a:r>
-            <a:r>
-              <a:rPr lang="en-US" altLang="ko-KR" dirty="0" smtClean="0"/>
-              <a:t>, </a:t>
-            </a:r>
-            <a:r>
-              <a:rPr lang="ko-KR" altLang="en-US" dirty="0" smtClean="0"/>
-              <a:t>주최자가 표시됨</a:t>
-            </a:r>
-            <a:endParaRPr lang="en-US" altLang="ko-KR" dirty="0" smtClean="0"/>
-          </a:p>
-          <a:p>
-            <a:pPr marL="171450" indent="-171450">
-              <a:buFontTx/>
-              <a:buChar char="-"/>
-            </a:pPr>
-            <a:endParaRPr lang="en-US" altLang="ko-KR" dirty="0"/>
-          </a:p>
-          <a:p>
-            <a:pPr marL="171450" indent="-171450">
-              <a:buFontTx/>
-              <a:buChar char="-"/>
-            </a:pPr>
-            <a:r>
-              <a:rPr lang="ko-KR" altLang="en-US" dirty="0" smtClean="0"/>
-              <a:t>예약자수를 클릭하면 예약자 명단 </a:t>
-            </a:r>
-            <a:r>
-              <a:rPr lang="ko-KR" altLang="en-US" dirty="0" err="1" smtClean="0"/>
-              <a:t>리트가</a:t>
-            </a:r>
-            <a:r>
-              <a:rPr lang="ko-KR" altLang="en-US" dirty="0" smtClean="0"/>
-              <a:t> </a:t>
-            </a:r>
-            <a:r>
-              <a:rPr lang="ko-KR" altLang="en-US" dirty="0" err="1" smtClean="0"/>
-              <a:t>모달로</a:t>
-            </a:r>
-            <a:r>
-              <a:rPr lang="ko-KR" altLang="en-US" dirty="0" smtClean="0"/>
-              <a:t> 뜸</a:t>
-            </a:r>
-            <a:endParaRPr lang="en-US" altLang="ko-KR" dirty="0" smtClean="0"/>
-          </a:p>
-          <a:p>
-            <a:pPr marL="171450" indent="-171450">
-              <a:buFontTx/>
-              <a:buChar char="-"/>
-            </a:pPr>
-            <a:r>
-              <a:rPr lang="ko-KR" altLang="en-US" dirty="0" smtClean="0"/>
-              <a:t>주최자를 클릭하면 주최자 회원 정보가 </a:t>
-            </a:r>
-            <a:r>
-              <a:rPr lang="ko-KR" altLang="en-US" dirty="0" err="1" smtClean="0"/>
-              <a:t>모달로</a:t>
-            </a:r>
-            <a:r>
-              <a:rPr lang="ko-KR" altLang="en-US" dirty="0" smtClean="0"/>
-              <a:t> 뜸</a:t>
-            </a:r>
-            <a:endParaRPr lang="ko-KR" altLang="en-US" dirty="0"/>
-          </a:p>
-        </p:txBody>
-      </p:sp>
-      <p:sp>
-        <p:nvSpPr>
-          <p:cNvPr id="4" name="슬라이드 번호 개체 틀 3"/>
-          <p:cNvSpPr>
-            <a:spLocks noGrp="1"/>
-          </p:cNvSpPr>
-          <p:nvPr>
-            <p:ph type="sldNum" sz="quarter" idx="10"/>
-          </p:nvPr>
-        </p:nvSpPr>
-        <p:spPr/>
-        <p:txBody>
-          <a:bodyPr/>
-          <a:lstStyle/>
-          <a:p>
-            <a:fld id="{CFDDCD2E-416C-42CA-95A4-05EC3697B7E4}" type="slidenum">
-              <a:rPr lang="ko-KR" altLang="en-US" smtClean="0"/>
-              <a:pPr/>
-              <a:t>6</a:t>
-            </a:fld>
-            <a:endParaRPr lang="ko-KR" altLang="en-US"/>
-          </a:p>
-        </p:txBody>
-      </p:sp>
-    </p:spTree>
-    <p:extLst>
-      <p:ext uri="{BB962C8B-B14F-4D97-AF65-F5344CB8AC3E}">
-        <p14:creationId xmlns:p14="http://schemas.microsoft.com/office/powerpoint/2010/main" val="2430805863"/>
-      </p:ext>
-    </p:extLst>
-  </p:cSld>
-  <p:clrMapOvr>
-    <a:masterClrMapping/>
-  </p:clrMapOvr>
-</p:notes>
-</file>
-
-<file path=ppt/notesSlides/notesSlide7.xml><?xml version="1.0" encoding="utf-8"?>
-<p:notes xmlns:a="http://schemas.openxmlformats.org/drawingml/2006/main" xmlns:r="http://schemas.openxmlformats.org/officeDocument/2006/relationships" xmlns:p="http://schemas.openxmlformats.org/presentationml/2006/main">
-  <p:cSld>
-    <p:spTree>
-      <p:nvGrpSpPr>
-        <p:cNvPr id="1" name=""/>
-        <p:cNvGrpSpPr/>
-        <p:nvPr/>
-      </p:nvGrpSpPr>
-      <p:grpSpPr>
-        <a:xfrm>
-          <a:off x="0" y="0"/>
-          <a:ext cx="0" cy="0"/>
-          <a:chOff x="0" y="0"/>
-          <a:chExt cx="0" cy="0"/>
-        </a:xfrm>
-      </p:grpSpPr>
-      <p:sp>
-        <p:nvSpPr>
-          <p:cNvPr id="2" name="슬라이드 이미지 개체 틀 1"/>
-          <p:cNvSpPr>
-            <a:spLocks noGrp="1" noRot="1" noChangeAspect="1"/>
-          </p:cNvSpPr>
-          <p:nvPr>
-            <p:ph type="sldImg"/>
-          </p:nvPr>
-        </p:nvSpPr>
-        <p:spPr/>
-      </p:sp>
-      <p:sp>
-        <p:nvSpPr>
-          <p:cNvPr id="3" name="슬라이드 노트 개체 틀 2"/>
-          <p:cNvSpPr>
-            <a:spLocks noGrp="1"/>
-          </p:cNvSpPr>
-          <p:nvPr>
-            <p:ph type="body" idx="1"/>
-          </p:nvPr>
-        </p:nvSpPr>
-        <p:spPr>
-          <a:xfrm>
-            <a:off x="685800" y="4400550"/>
-            <a:ext cx="5486400" cy="715736"/>
-          </a:xfrm>
-        </p:spPr>
-        <p:txBody>
-          <a:bodyPr/>
-          <a:lstStyle/>
-          <a:p>
-            <a:r>
-              <a:rPr lang="ko-KR" altLang="en-US" dirty="0" smtClean="0"/>
-              <a:t>관리자 페이지 </a:t>
-            </a:r>
-            <a:r>
-              <a:rPr lang="en-US" altLang="ko-KR" dirty="0" smtClean="0"/>
-              <a:t>– </a:t>
-            </a:r>
-            <a:r>
-              <a:rPr lang="ko-KR" altLang="en-US" dirty="0" smtClean="0"/>
-              <a:t>세미나 예약관리</a:t>
-            </a:r>
-            <a:endParaRPr lang="en-US" altLang="ko-KR" dirty="0" smtClean="0"/>
-          </a:p>
-          <a:p>
-            <a:endParaRPr lang="en-US" altLang="ko-KR" dirty="0"/>
-          </a:p>
-          <a:p>
-            <a:r>
-              <a:rPr lang="ko-KR" altLang="en-US" dirty="0" err="1" smtClean="0"/>
-              <a:t>모달로</a:t>
-            </a:r>
-            <a:r>
-              <a:rPr lang="ko-KR" altLang="en-US" dirty="0" smtClean="0"/>
-              <a:t> 뜬 주최자 회원 정보</a:t>
-            </a:r>
-            <a:endParaRPr lang="en-US" altLang="ko-KR" dirty="0" smtClean="0"/>
-          </a:p>
-          <a:p>
-            <a:endParaRPr lang="ko-KR" altLang="en-US" dirty="0"/>
-          </a:p>
-        </p:txBody>
-      </p:sp>
-      <p:sp>
-        <p:nvSpPr>
-          <p:cNvPr id="4" name="슬라이드 번호 개체 틀 3"/>
-          <p:cNvSpPr>
-            <a:spLocks noGrp="1"/>
-          </p:cNvSpPr>
-          <p:nvPr>
-            <p:ph type="sldNum" sz="quarter" idx="10"/>
-          </p:nvPr>
-        </p:nvSpPr>
-        <p:spPr/>
-        <p:txBody>
-          <a:bodyPr/>
-          <a:lstStyle/>
-          <a:p>
-            <a:fld id="{CFDDCD2E-416C-42CA-95A4-05EC3697B7E4}" type="slidenum">
-              <a:rPr lang="ko-KR" altLang="en-US" smtClean="0"/>
-              <a:pPr/>
-              <a:t>7</a:t>
-            </a:fld>
-            <a:endParaRPr lang="ko-KR" altLang="en-US"/>
-          </a:p>
-        </p:txBody>
-      </p:sp>
-    </p:spTree>
-    <p:extLst>
-      <p:ext uri="{BB962C8B-B14F-4D97-AF65-F5344CB8AC3E}">
-        <p14:creationId xmlns:p14="http://schemas.microsoft.com/office/powerpoint/2010/main" val="2402589327"/>
-      </p:ext>
-    </p:extLst>
-  </p:cSld>
-  <p:clrMapOvr>
-    <a:masterClrMapping/>
-  </p:clrMapOvr>
-</p:notes>
-</file>
-
 <file path=ppt/slideLayouts/slideLayout1.xml><?xml version="1.0" encoding="utf-8"?>
 <p:sldLayout xmlns:a="http://schemas.openxmlformats.org/drawingml/2006/main" xmlns:r="http://schemas.openxmlformats.org/officeDocument/2006/relationships" xmlns:p="http://schemas.openxmlformats.org/presentationml/2006/main" type="title" preserve="1">
   <p:cSld name="제목 슬라이드">
@@ -1683,6 +753,30 @@
           </a:p>
         </p:txBody>
       </p:sp>
+      <p:pic>
+        <p:nvPicPr>
+          <p:cNvPr id="7" name="그림 6"/>
+          <p:cNvPicPr>
+            <a:picLocks noChangeAspect="1"/>
+          </p:cNvPicPr>
+          <p:nvPr userDrawn="1"/>
+        </p:nvPicPr>
+        <p:blipFill>
+          <a:blip r:embed="rId2"/>
+          <a:stretch>
+            <a:fillRect/>
+          </a:stretch>
+        </p:blipFill>
+        <p:spPr>
+          <a:xfrm>
+            <a:off x="0" y="-3700"/>
+            <a:ext cx="12192000" cy="6861699"/>
+          </a:xfrm>
+          <a:prstGeom prst="rect">
+            <a:avLst/>
+          </a:prstGeom>
+        </p:spPr>
+      </p:pic>
     </p:spTree>
     <p:extLst>
       <p:ext uri="{BB962C8B-B14F-4D97-AF65-F5344CB8AC3E}">
@@ -4062,6 +3156,30 @@
           </a:p>
         </p:txBody>
       </p:sp>
+      <p:pic>
+        <p:nvPicPr>
+          <p:cNvPr id="7" name="그림 6"/>
+          <p:cNvPicPr>
+            <a:picLocks noChangeAspect="1"/>
+          </p:cNvPicPr>
+          <p:nvPr userDrawn="1"/>
+        </p:nvPicPr>
+        <p:blipFill>
+          <a:blip r:embed="rId13"/>
+          <a:stretch>
+            <a:fillRect/>
+          </a:stretch>
+        </p:blipFill>
+        <p:spPr>
+          <a:xfrm>
+            <a:off x="0" y="-3700"/>
+            <a:ext cx="12192000" cy="6861699"/>
+          </a:xfrm>
+          <a:prstGeom prst="rect">
+            <a:avLst/>
+          </a:prstGeom>
+        </p:spPr>
+      </p:pic>
     </p:spTree>
     <p:extLst>
       <p:ext uri="{BB962C8B-B14F-4D97-AF65-F5344CB8AC3E}">
@@ -4500,11 +3618,7 @@
             <a:graphicFrameLocks noGrp="1"/>
           </p:cNvGraphicFramePr>
           <p:nvPr>
-            <p:extLst>
-              <p:ext uri="{D42A27DB-BD31-4B8C-83A1-F6EECF244321}">
-                <p14:modId xmlns:p14="http://schemas.microsoft.com/office/powerpoint/2010/main" val="1979054225"/>
-              </p:ext>
-            </p:extLst>
+            <p:extLst/>
           </p:nvPr>
         </p:nvGraphicFramePr>
         <p:xfrm>
@@ -4736,7 +3850,7 @@
               <p:nvPr/>
             </p:nvPicPr>
             <p:blipFill>
-              <a:blip r:embed="rId3"/>
+              <a:blip r:embed="rId2"/>
               <a:stretch>
                 <a:fillRect/>
               </a:stretch>
@@ -4866,7 +3980,7 @@
           <p:nvPr/>
         </p:nvPicPr>
         <p:blipFill>
-          <a:blip r:embed="rId4"/>
+          <a:blip r:embed="rId3"/>
           <a:stretch>
             <a:fillRect/>
           </a:stretch>
@@ -4890,7 +4004,7 @@
           <p:nvPr/>
         </p:nvPicPr>
         <p:blipFill>
-          <a:blip r:embed="rId5"/>
+          <a:blip r:embed="rId4"/>
           <a:stretch>
             <a:fillRect/>
           </a:stretch>
@@ -4914,7 +4028,7 @@
           <p:nvPr/>
         </p:nvPicPr>
         <p:blipFill>
-          <a:blip r:embed="rId6"/>
+          <a:blip r:embed="rId5"/>
           <a:stretch>
             <a:fillRect/>
           </a:stretch>
@@ -4938,7 +4052,7 @@
           <p:nvPr/>
         </p:nvPicPr>
         <p:blipFill>
-          <a:blip r:embed="rId7"/>
+          <a:blip r:embed="rId6"/>
           <a:stretch>
             <a:fillRect/>
           </a:stretch>
@@ -5031,7 +4145,7 @@
         </p:nvSpPr>
         <p:spPr>
           <a:xfrm>
-            <a:off x="163023" y="2018580"/>
+            <a:off x="157214" y="1953186"/>
             <a:ext cx="296562" cy="344798"/>
           </a:xfrm>
           <a:prstGeom prst="rect">
@@ -5089,7 +4203,7 @@
         </p:nvSpPr>
         <p:spPr>
           <a:xfrm>
-            <a:off x="5484530" y="2502783"/>
+            <a:off x="5415137" y="2435346"/>
             <a:ext cx="296562" cy="344798"/>
           </a:xfrm>
           <a:prstGeom prst="rect">
@@ -5124,7 +4238,7 @@
           <a:p>
             <a:pPr algn="ctr"/>
             <a:r>
-              <a:rPr lang="en-US" altLang="ko-KR" b="1" dirty="0" smtClean="0">
+              <a:rPr lang="en-US" altLang="ko-KR" b="1" dirty="0">
                 <a:solidFill>
                   <a:schemeClr val="bg1"/>
                 </a:solidFill>
@@ -5144,15 +4258,11 @@
           <p:cNvPr id="23" name="표 13"/>
           <p:cNvGraphicFramePr/>
           <p:nvPr>
-            <p:extLst>
-              <p:ext uri="{D42A27DB-BD31-4B8C-83A1-F6EECF244321}">
-                <p14:modId xmlns:p14="http://schemas.microsoft.com/office/powerpoint/2010/main" val="2002983584"/>
-              </p:ext>
-            </p:extLst>
+            <p:extLst/>
           </p:nvPr>
         </p:nvGraphicFramePr>
         <p:xfrm>
-          <a:off x="8509686" y="1264252"/>
+          <a:off x="8557506" y="2536380"/>
           <a:ext cx="3491813" cy="2212116"/>
         </p:xfrm>
         <a:graphic>
@@ -5397,10 +4507,10 @@
                         <a:defRPr sz="1800"/>
                       </a:pPr>
                       <a:r>
-                        <a:rPr lang="en-US" sz="1500" b="1" dirty="0" smtClean="0"/>
+                        <a:rPr lang="en-US" sz="1500" dirty="0" smtClean="0"/>
                         <a:t>3</a:t>
                       </a:r>
-                      <a:endParaRPr sz="1500" b="1" dirty="0"/>
+                      <a:endParaRPr sz="1500" dirty="0"/>
                     </a:p>
                   </a:txBody>
                   <a:tcPr marL="45720" marR="45720" anchor="ctr" horzOverflow="overflow">
@@ -5454,10 +4564,10 @@
                         <a:defRPr sz="1500"/>
                       </a:pPr>
                       <a:r>
-                        <a:rPr lang="ko-KR" altLang="en-US" dirty="0" smtClean="0"/>
-                        <a:t>인원 선택</a:t>
-                      </a:r>
-                      <a:endParaRPr lang="en-US" altLang="ko-KR" dirty="0" smtClean="0"/>
+                        <a:rPr lang="ko-KR" altLang="en-US" sz="1500" dirty="0" smtClean="0"/>
+                        <a:t>세미나 정보</a:t>
+                      </a:r>
+                      <a:endParaRPr lang="en-US" altLang="ko-KR" sz="1500" dirty="0" smtClean="0"/>
                     </a:p>
                     <a:p>
                       <a:pPr algn="l">
@@ -5465,16 +4575,50 @@
                       </a:pPr>
                       <a:r>
                         <a:rPr lang="en-US" altLang="ko-KR" sz="1200" dirty="0" smtClean="0"/>
-                        <a:t>+,</a:t>
-                      </a:r>
-                      <a:r>
-                        <a:rPr lang="en-US" altLang="ko-KR" sz="1200" baseline="0" dirty="0" smtClean="0"/>
-                        <a:t> - </a:t>
-                      </a:r>
-                      <a:r>
-                        <a:rPr lang="ko-KR" altLang="en-US" sz="1200" baseline="0" dirty="0" smtClean="0"/>
-                        <a:t>버튼을 눌러 인원을 선택하면 결제 금액 자동 조절</a:t>
-                      </a:r>
+                        <a:t>- </a:t>
+                      </a:r>
+                      <a:r>
+                        <a:rPr lang="ko-KR" altLang="en-US" sz="1200" dirty="0" smtClean="0"/>
+                        <a:t>주최자</a:t>
+                      </a:r>
+                      <a:r>
+                        <a:rPr lang="en-US" altLang="ko-KR" sz="1200" dirty="0" smtClean="0"/>
+                        <a:t>, </a:t>
+                      </a:r>
+                      <a:r>
+                        <a:rPr lang="ko-KR" altLang="en-US" sz="1200" dirty="0" smtClean="0"/>
+                        <a:t>시간</a:t>
+                      </a:r>
+                      <a:r>
+                        <a:rPr lang="en-US" altLang="ko-KR" sz="1200" dirty="0" smtClean="0"/>
+                        <a:t>, </a:t>
+                      </a:r>
+                      <a:r>
+                        <a:rPr lang="ko-KR" altLang="en-US" sz="1200" dirty="0" smtClean="0"/>
+                        <a:t>카테고리</a:t>
+                      </a:r>
+                      <a:r>
+                        <a:rPr lang="en-US" altLang="ko-KR" sz="1200" dirty="0" smtClean="0"/>
+                        <a:t>, </a:t>
+                      </a:r>
+                      <a:r>
+                        <a:rPr lang="ko-KR" altLang="en-US" sz="1200" dirty="0" smtClean="0"/>
+                        <a:t>최대인원</a:t>
+                      </a:r>
+                      <a:r>
+                        <a:rPr lang="en-US" altLang="ko-KR" sz="1200" dirty="0" smtClean="0"/>
+                        <a:t>, </a:t>
+                      </a:r>
+                      <a:r>
+                        <a:rPr lang="ko-KR" altLang="en-US" sz="1200" dirty="0" smtClean="0"/>
+                        <a:t>장소 표시</a:t>
+                      </a:r>
+                      <a:endParaRPr lang="en-US" altLang="ko-KR" sz="1200" dirty="0" smtClean="0"/>
+                    </a:p>
+                    <a:p>
+                      <a:pPr algn="l">
+                        <a:defRPr sz="1500"/>
+                      </a:pPr>
                       <a:endParaRPr sz="1200" dirty="0"/>
                     </a:p>
                   </a:txBody>
@@ -5539,7 +4683,7 @@
           <p:nvPr/>
         </p:nvPicPr>
         <p:blipFill>
-          <a:blip r:embed="rId8"/>
+          <a:blip r:embed="rId7"/>
           <a:stretch>
             <a:fillRect/>
           </a:stretch>
@@ -5683,7 +4827,7 @@
           <p:nvPr/>
         </p:nvPicPr>
         <p:blipFill>
-          <a:blip r:embed="rId8"/>
+          <a:blip r:embed="rId7"/>
           <a:stretch>
             <a:fillRect/>
           </a:stretch>
@@ -5825,11 +4969,7 @@
             <a:graphicFrameLocks noGrp="1"/>
           </p:cNvGraphicFramePr>
           <p:nvPr>
-            <p:extLst>
-              <p:ext uri="{D42A27DB-BD31-4B8C-83A1-F6EECF244321}">
-                <p14:modId xmlns:p14="http://schemas.microsoft.com/office/powerpoint/2010/main" val="3249295662"/>
-              </p:ext>
-            </p:extLst>
+            <p:extLst/>
           </p:nvPr>
         </p:nvGraphicFramePr>
         <p:xfrm>
@@ -6807,7 +5947,7 @@
           <p:nvPr/>
         </p:nvPicPr>
         <p:blipFill>
-          <a:blip r:embed="rId9"/>
+          <a:blip r:embed="rId8"/>
           <a:stretch>
             <a:fillRect/>
           </a:stretch>
@@ -6824,19 +5964,17 @@
       </p:pic>
       <p:graphicFrame>
         <p:nvGraphicFramePr>
-          <p:cNvPr id="31" name="Google Shape;165;g7c553259d1_0_81"/>
-          <p:cNvGraphicFramePr/>
+          <p:cNvPr id="32" name="표 31"/>
+          <p:cNvGraphicFramePr>
+            <a:graphicFrameLocks noGrp="1"/>
+          </p:cNvGraphicFramePr>
           <p:nvPr>
-            <p:extLst>
-              <p:ext uri="{D42A27DB-BD31-4B8C-83A1-F6EECF244321}">
-                <p14:modId xmlns:p14="http://schemas.microsoft.com/office/powerpoint/2010/main" val="2345588935"/>
-              </p:ext>
-            </p:extLst>
+            <p:extLst/>
           </p:nvPr>
         </p:nvGraphicFramePr>
         <p:xfrm>
-          <a:off x="1525399" y="179305"/>
-          <a:ext cx="6048672" cy="864096"/>
+          <a:off x="8557506" y="1283516"/>
+          <a:ext cx="3491813" cy="1036323"/>
         </p:xfrm>
         <a:graphic>
           <a:graphicData uri="http://schemas.openxmlformats.org/drawingml/2006/table">
@@ -6845,22 +5983,9 @@
                 <a:noFill/>
               </a:tblPr>
               <a:tblGrid>
-                <a:gridCol w="1152128">
-                  <a:extLst>
-                    <a:ext uri="{9D8B030D-6E8A-4147-A177-3AD203B41FA5}">
-                      <a16:colId xmlns:a16="http://schemas.microsoft.com/office/drawing/2014/main" xmlns="" val="20000"/>
-                    </a:ext>
-                  </a:extLst>
-                </a:gridCol>
-                <a:gridCol w="4896544">
-                  <a:extLst>
-                    <a:ext uri="{9D8B030D-6E8A-4147-A177-3AD203B41FA5}">
-                      <a16:colId xmlns:a16="http://schemas.microsoft.com/office/drawing/2014/main" xmlns="" val="20001"/>
-                    </a:ext>
-                  </a:extLst>
-                </a:gridCol>
+                <a:gridCol w="3491813"/>
               </a:tblGrid>
-              <a:tr h="864096">
+              <a:tr h="505123">
                 <a:tc>
                   <a:txBody>
                     <a:bodyPr/>
@@ -6884,212 +6009,6 @@
                         <a:buNone/>
                       </a:pPr>
                       <a:r>
-                        <a:rPr lang="ko-KR" altLang="en-US" sz="2500" b="0" u="none" strike="noStrike" cap="none" dirty="0" err="1" smtClean="0">
-                          <a:solidFill>
-                            <a:schemeClr val="dk1"/>
-                          </a:solidFill>
-                        </a:rPr>
-                        <a:t>화면명</a:t>
-                      </a:r>
-                      <a:endParaRPr sz="2500" b="0" u="none" strike="noStrike" cap="none" dirty="0">
-                        <a:solidFill>
-                          <a:schemeClr val="dk1"/>
-                        </a:solidFill>
-                      </a:endParaRPr>
-                    </a:p>
-                  </a:txBody>
-                  <a:tcPr marL="74304" marR="74304" marT="45725" marB="45725" anchor="ctr">
-                    <a:lnL w="12700" cap="flat" cmpd="sng">
-                      <a:solidFill>
-                        <a:schemeClr val="dk1"/>
-                      </a:solidFill>
-                      <a:prstDash val="solid"/>
-                      <a:round/>
-                      <a:headEnd type="none" w="sm" len="sm"/>
-                      <a:tailEnd type="none" w="sm" len="sm"/>
-                    </a:lnL>
-                    <a:lnR w="12700" cap="flat" cmpd="sng">
-                      <a:solidFill>
-                        <a:schemeClr val="dk1"/>
-                      </a:solidFill>
-                      <a:prstDash val="solid"/>
-                      <a:round/>
-                      <a:headEnd type="none" w="sm" len="sm"/>
-                      <a:tailEnd type="none" w="sm" len="sm"/>
-                    </a:lnR>
-                    <a:lnT w="12700" cap="flat" cmpd="sng">
-                      <a:solidFill>
-                        <a:schemeClr val="dk1"/>
-                      </a:solidFill>
-                      <a:prstDash val="solid"/>
-                      <a:round/>
-                      <a:headEnd type="none" w="sm" len="sm"/>
-                      <a:tailEnd type="none" w="sm" len="sm"/>
-                    </a:lnT>
-                    <a:lnB w="12700" cap="flat" cmpd="sng">
-                      <a:solidFill>
-                        <a:schemeClr val="dk1"/>
-                      </a:solidFill>
-                      <a:prstDash val="solid"/>
-                      <a:round/>
-                      <a:headEnd type="none" w="sm" len="sm"/>
-                      <a:tailEnd type="none" w="sm" len="sm"/>
-                    </a:lnB>
-                    <a:solidFill>
-                      <a:srgbClr val="D8D8D8"/>
-                    </a:solidFill>
-                  </a:tcPr>
-                </a:tc>
-                <a:tc>
-                  <a:txBody>
-                    <a:bodyPr/>
-                    <a:lstStyle/>
-                    <a:p>
-                      <a:pPr marL="0" marR="0" lvl="0" indent="0" algn="ctr" defTabSz="914400" rtl="0" eaLnBrk="1" fontAlgn="auto" latinLnBrk="1" hangingPunct="1">
-                        <a:lnSpc>
-                          <a:spcPct val="100000"/>
-                        </a:lnSpc>
-                        <a:spcBef>
-                          <a:spcPts val="0"/>
-                        </a:spcBef>
-                        <a:spcAft>
-                          <a:spcPts val="0"/>
-                        </a:spcAft>
-                        <a:buClr>
-                          <a:srgbClr val="000000"/>
-                        </a:buClr>
-                        <a:buSzPts val="1500"/>
-                        <a:buFont typeface="Arial"/>
-                        <a:buNone/>
-                        <a:tabLst/>
-                        <a:defRPr/>
-                      </a:pPr>
-                      <a:r>
-                        <a:rPr lang="ko-KR" altLang="en-US" sz="2500" b="0" u="none" strike="noStrike" cap="none" dirty="0" smtClean="0">
-                          <a:solidFill>
-                            <a:schemeClr val="dk1"/>
-                          </a:solidFill>
-                        </a:rPr>
-                        <a:t>세미나 상세 페이지 </a:t>
-                      </a:r>
-                      <a:r>
-                        <a:rPr lang="en-US" altLang="ko-KR" sz="2000" b="0" u="none" strike="noStrike" cap="none" dirty="0" smtClean="0">
-                          <a:solidFill>
-                            <a:schemeClr val="dk1"/>
-                          </a:solidFill>
-                        </a:rPr>
-                        <a:t>- 1</a:t>
-                      </a:r>
-                      <a:endParaRPr lang="ko-KR" altLang="en-US" sz="2000" b="0" u="none" strike="noStrike" cap="none" dirty="0" smtClean="0">
-                        <a:solidFill>
-                          <a:schemeClr val="dk1"/>
-                        </a:solidFill>
-                      </a:endParaRPr>
-                    </a:p>
-                  </a:txBody>
-                  <a:tcPr marL="74304" marR="74304" marT="45725" marB="45725" anchor="ctr">
-                    <a:lnL w="12700" cap="flat" cmpd="sng">
-                      <a:solidFill>
-                        <a:schemeClr val="dk1"/>
-                      </a:solidFill>
-                      <a:prstDash val="solid"/>
-                      <a:round/>
-                      <a:headEnd type="none" w="sm" len="sm"/>
-                      <a:tailEnd type="none" w="sm" len="sm"/>
-                    </a:lnL>
-                    <a:lnR w="12700" cap="flat" cmpd="sng">
-                      <a:solidFill>
-                        <a:schemeClr val="dk1"/>
-                      </a:solidFill>
-                      <a:prstDash val="solid"/>
-                      <a:round/>
-                      <a:headEnd type="none" w="sm" len="sm"/>
-                      <a:tailEnd type="none" w="sm" len="sm"/>
-                    </a:lnR>
-                    <a:lnT w="12700" cap="flat" cmpd="sng">
-                      <a:solidFill>
-                        <a:schemeClr val="dk1"/>
-                      </a:solidFill>
-                      <a:prstDash val="solid"/>
-                      <a:round/>
-                      <a:headEnd type="none" w="sm" len="sm"/>
-                      <a:tailEnd type="none" w="sm" len="sm"/>
-                    </a:lnT>
-                    <a:lnB w="12700" cap="flat" cmpd="sng">
-                      <a:solidFill>
-                        <a:schemeClr val="dk1"/>
-                      </a:solidFill>
-                      <a:prstDash val="solid"/>
-                      <a:round/>
-                      <a:headEnd type="none" w="sm" len="sm"/>
-                      <a:tailEnd type="none" w="sm" len="sm"/>
-                    </a:lnB>
-                    <a:solidFill>
-                      <a:schemeClr val="lt1"/>
-                    </a:solidFill>
-                  </a:tcPr>
-                </a:tc>
-                <a:extLst>
-                  <a:ext uri="{0D108BD9-81ED-4DB2-BD59-A6C34878D82A}">
-                    <a16:rowId xmlns:a16="http://schemas.microsoft.com/office/drawing/2014/main" xmlns="" val="10000"/>
-                  </a:ext>
-                </a:extLst>
-              </a:tr>
-            </a:tbl>
-          </a:graphicData>
-        </a:graphic>
-      </p:graphicFrame>
-      <p:graphicFrame>
-        <p:nvGraphicFramePr>
-          <p:cNvPr id="32" name="표 31"/>
-          <p:cNvGraphicFramePr>
-            <a:graphicFrameLocks noGrp="1"/>
-          </p:cNvGraphicFramePr>
-          <p:nvPr>
-            <p:extLst>
-              <p:ext uri="{D42A27DB-BD31-4B8C-83A1-F6EECF244321}">
-                <p14:modId xmlns:p14="http://schemas.microsoft.com/office/powerpoint/2010/main" val="3289671434"/>
-              </p:ext>
-            </p:extLst>
-          </p:nvPr>
-        </p:nvGraphicFramePr>
-        <p:xfrm>
-          <a:off x="8509686" y="168110"/>
-          <a:ext cx="2441795" cy="848244"/>
-        </p:xfrm>
-        <a:graphic>
-          <a:graphicData uri="http://schemas.openxmlformats.org/drawingml/2006/table">
-            <a:tbl>
-              <a:tblPr firstRow="1" bandRow="1">
-                <a:noFill/>
-              </a:tblPr>
-              <a:tblGrid>
-                <a:gridCol w="2441795"/>
-              </a:tblGrid>
-              <a:tr h="413450">
-                <a:tc>
-                  <a:txBody>
-                    <a:bodyPr/>
-                    <a:lstStyle/>
-                    <a:p>
-                      <a:pPr marL="0" marR="0" lvl="0" indent="0" algn="ctr" rtl="0">
-                        <a:lnSpc>
-                          <a:spcPct val="100000"/>
-                        </a:lnSpc>
-                        <a:spcBef>
-                          <a:spcPts val="0"/>
-                        </a:spcBef>
-                        <a:spcAft>
-                          <a:spcPts val="0"/>
-                        </a:spcAft>
-                        <a:buClr>
-                          <a:srgbClr val="000000"/>
-                        </a:buClr>
-                        <a:buSzPts val="1500"/>
-                        <a:buFont typeface="Arial"/>
-                        <a:buNone/>
-                      </a:pPr>
-                      <a:r>
                         <a:rPr lang="ko-KR" altLang="en-US" sz="1700" b="0" u="none" strike="noStrike" cap="none" dirty="0" smtClean="0">
                           <a:solidFill>
                             <a:schemeClr val="dk1"/>
@@ -7147,7 +6066,7 @@
                   </a:tcPr>
                 </a:tc>
               </a:tr>
-              <a:tr h="434794">
+              <a:tr h="531200">
                 <a:tc>
                   <a:txBody>
                     <a:bodyPr/>
@@ -7240,10 +6159,65 @@
           </a:graphicData>
         </a:graphic>
       </p:graphicFrame>
+      <p:sp>
+        <p:nvSpPr>
+          <p:cNvPr id="14" name="직사각형 13"/>
+          <p:cNvSpPr/>
+          <p:nvPr/>
+        </p:nvSpPr>
+        <p:spPr>
+          <a:xfrm>
+            <a:off x="324349" y="224186"/>
+            <a:ext cx="3506089" cy="477054"/>
+          </a:xfrm>
+          <a:prstGeom prst="rect">
+            <a:avLst/>
+          </a:prstGeom>
+        </p:spPr>
+        <p:txBody>
+          <a:bodyPr wrap="none">
+            <a:spAutoFit/>
+          </a:bodyPr>
+          <a:lstStyle/>
+          <a:p>
+            <a:pPr lvl="0" algn="ctr">
+              <a:buClr>
+                <a:srgbClr val="000000"/>
+              </a:buClr>
+              <a:buSzPts val="1500"/>
+              <a:defRPr/>
+            </a:pPr>
+            <a:r>
+              <a:rPr lang="ko-KR" altLang="en-US" sz="2500" dirty="0">
+                <a:solidFill>
+                  <a:schemeClr val="bg1"/>
+                </a:solidFill>
+                <a:latin typeface="+mj-lt"/>
+              </a:rPr>
+              <a:t>세미나 상세 페이지 </a:t>
+            </a:r>
+            <a:r>
+              <a:rPr lang="en-US" altLang="ko-KR" sz="2500" dirty="0">
+                <a:solidFill>
+                  <a:schemeClr val="bg1"/>
+                </a:solidFill>
+                <a:latin typeface="+mj-lt"/>
+              </a:rPr>
+              <a:t>- 1</a:t>
+            </a:r>
+            <a:endParaRPr lang="ko-KR" altLang="en-US" sz="2500" dirty="0">
+              <a:solidFill>
+                <a:schemeClr val="bg1"/>
+              </a:solidFill>
+              <a:latin typeface="+mj-lt"/>
+            </a:endParaRPr>
+          </a:p>
+        </p:txBody>
+      </p:sp>
     </p:spTree>
     <p:extLst>
       <p:ext uri="{BB962C8B-B14F-4D97-AF65-F5344CB8AC3E}">
-        <p14:creationId xmlns:p14="http://schemas.microsoft.com/office/powerpoint/2010/main" val="1887687165"/>
+        <p14:creationId xmlns:p14="http://schemas.microsoft.com/office/powerpoint/2010/main" val="2307162424"/>
       </p:ext>
     </p:extLst>
   </p:cSld>
@@ -7282,15 +6256,11 @@
           <p:cNvPr id="99" name="표 13"/>
           <p:cNvGraphicFramePr/>
           <p:nvPr>
-            <p:extLst>
-              <p:ext uri="{D42A27DB-BD31-4B8C-83A1-F6EECF244321}">
-                <p14:modId xmlns:p14="http://schemas.microsoft.com/office/powerpoint/2010/main" val="881228468"/>
-              </p:ext>
-            </p:extLst>
+            <p:extLst/>
           </p:nvPr>
         </p:nvGraphicFramePr>
         <p:xfrm>
-          <a:off x="8509686" y="1264252"/>
+          <a:off x="8517924" y="2379658"/>
           <a:ext cx="3491813" cy="1297716"/>
         </p:xfrm>
         <a:graphic>
@@ -7420,7 +6390,7 @@
                       </a:pPr>
                       <a:r>
                         <a:rPr lang="en-US" sz="1500" dirty="0" smtClean="0"/>
-                        <a:t>2</a:t>
+                        <a:t>3</a:t>
                       </a:r>
                       <a:endParaRPr sz="1500" dirty="0"/>
                     </a:p>
@@ -7464,61 +6434,27 @@
                         <a:defRPr sz="1500"/>
                       </a:pPr>
                       <a:r>
-                        <a:rPr lang="ko-KR" altLang="en-US" sz="1500" dirty="0" smtClean="0"/>
-                        <a:t>세미나 정보</a:t>
-                      </a:r>
-                      <a:endParaRPr lang="en-US" altLang="ko-KR" sz="1500" dirty="0" smtClean="0"/>
+                        <a:rPr lang="ko-KR" altLang="en-US" dirty="0" smtClean="0"/>
+                        <a:t>인원 선택</a:t>
+                      </a:r>
+                      <a:endParaRPr lang="en-US" altLang="ko-KR" dirty="0" smtClean="0"/>
                     </a:p>
                     <a:p>
                       <a:pPr algn="l">
                         <a:defRPr sz="1500"/>
                       </a:pPr>
                       <a:r>
-                        <a:rPr lang="en-US" altLang="ko-KR" sz="1200" dirty="0" smtClean="0"/>
-                        <a:t>- </a:t>
-                      </a:r>
-                      <a:r>
-                        <a:rPr lang="ko-KR" altLang="en-US" sz="1200" dirty="0" smtClean="0"/>
-                        <a:t>주최자</a:t>
-                      </a:r>
-                      <a:r>
-                        <a:rPr lang="en-US" altLang="ko-KR" sz="1200" dirty="0" smtClean="0"/>
-                        <a:t>, </a:t>
-                      </a:r>
-                      <a:r>
-                        <a:rPr lang="ko-KR" altLang="en-US" sz="1200" dirty="0" smtClean="0"/>
-                        <a:t>시간</a:t>
-                      </a:r>
-                      <a:r>
-                        <a:rPr lang="en-US" altLang="ko-KR" sz="1200" dirty="0" smtClean="0"/>
-                        <a:t>, </a:t>
-                      </a:r>
-                      <a:r>
-                        <a:rPr lang="ko-KR" altLang="en-US" sz="1200" dirty="0" smtClean="0"/>
-                        <a:t>카테고리</a:t>
-                      </a:r>
-                      <a:r>
-                        <a:rPr lang="en-US" altLang="ko-KR" sz="1200" dirty="0" smtClean="0"/>
-                        <a:t>, </a:t>
-                      </a:r>
-                      <a:r>
-                        <a:rPr lang="ko-KR" altLang="en-US" sz="1200" dirty="0" smtClean="0"/>
-                        <a:t>최대인원</a:t>
-                      </a:r>
-                      <a:r>
-                        <a:rPr lang="en-US" altLang="ko-KR" sz="1200" dirty="0" smtClean="0"/>
-                        <a:t>, </a:t>
-                      </a:r>
-                      <a:r>
-                        <a:rPr lang="ko-KR" altLang="en-US" sz="1200" dirty="0" smtClean="0"/>
-                        <a:t>장소 표시</a:t>
-                      </a:r>
-                      <a:endParaRPr lang="en-US" altLang="ko-KR" sz="1200" dirty="0" smtClean="0"/>
-                    </a:p>
-                    <a:p>
-                      <a:pPr algn="l">
-                        <a:defRPr sz="1500"/>
-                      </a:pPr>
+                        <a:rPr lang="en-US" sz="1200" dirty="0" smtClean="0"/>
+                        <a:t>+,</a:t>
+                      </a:r>
+                      <a:r>
+                        <a:rPr lang="en-US" sz="1200" baseline="0" dirty="0" smtClean="0"/>
+                        <a:t> - </a:t>
+                      </a:r>
+                      <a:r>
+                        <a:rPr lang="ko-KR" altLang="en-US" sz="1200" baseline="0" dirty="0" smtClean="0"/>
+                        <a:t>버튼을 눌러 인원을 선택하면 결제 금액 자동 조절</a:t>
+                      </a:r>
                       <a:endParaRPr sz="1200" dirty="0"/>
                     </a:p>
                   </a:txBody>
@@ -7569,11 +6505,7 @@
             <a:graphicFrameLocks noGrp="1"/>
           </p:cNvGraphicFramePr>
           <p:nvPr>
-            <p:extLst>
-              <p:ext uri="{D42A27DB-BD31-4B8C-83A1-F6EECF244321}">
-                <p14:modId xmlns:p14="http://schemas.microsoft.com/office/powerpoint/2010/main" val="3723096549"/>
-              </p:ext>
-            </p:extLst>
+            <p:extLst/>
           </p:nvPr>
         </p:nvGraphicFramePr>
         <p:xfrm>
@@ -7805,7 +6737,7 @@
               <p:nvPr/>
             </p:nvPicPr>
             <p:blipFill>
-              <a:blip r:embed="rId3"/>
+              <a:blip r:embed="rId2"/>
               <a:stretch>
                 <a:fillRect/>
               </a:stretch>
@@ -7862,7 +6794,7 @@
           <p:nvPr/>
         </p:nvPicPr>
         <p:blipFill>
-          <a:blip r:embed="rId4"/>
+          <a:blip r:embed="rId3"/>
           <a:stretch>
             <a:fillRect/>
           </a:stretch>
@@ -7886,7 +6818,7 @@
           <p:nvPr/>
         </p:nvPicPr>
         <p:blipFill>
-          <a:blip r:embed="rId5"/>
+          <a:blip r:embed="rId4"/>
           <a:stretch>
             <a:fillRect/>
           </a:stretch>
@@ -7910,7 +6842,7 @@
           <p:nvPr/>
         </p:nvPicPr>
         <p:blipFill>
-          <a:blip r:embed="rId6"/>
+          <a:blip r:embed="rId5"/>
           <a:stretch>
             <a:fillRect/>
           </a:stretch>
@@ -7973,7 +6905,7 @@
                   <a:schemeClr val="bg1"/>
                 </a:solidFill>
               </a:rPr>
-              <a:t>3</a:t>
+              <a:t>4</a:t>
             </a:r>
             <a:endParaRPr lang="ko-KR" altLang="en-US" b="1" dirty="0">
               <a:solidFill>
@@ -7990,11 +6922,7 @@
             <a:graphicFrameLocks noGrp="1"/>
           </p:cNvGraphicFramePr>
           <p:nvPr>
-            <p:extLst>
-              <p:ext uri="{D42A27DB-BD31-4B8C-83A1-F6EECF244321}">
-                <p14:modId xmlns:p14="http://schemas.microsoft.com/office/powerpoint/2010/main" val="153996742"/>
-              </p:ext>
-            </p:extLst>
+            <p:extLst/>
           </p:nvPr>
         </p:nvGraphicFramePr>
         <p:xfrm>
@@ -8144,7 +7072,7 @@
           <p:nvPr/>
         </p:nvPicPr>
         <p:blipFill>
-          <a:blip r:embed="rId7"/>
+          <a:blip r:embed="rId6"/>
           <a:stretch>
             <a:fillRect/>
           </a:stretch>
@@ -8168,7 +7096,7 @@
           <p:nvPr/>
         </p:nvPicPr>
         <p:blipFill>
-          <a:blip r:embed="rId8"/>
+          <a:blip r:embed="rId7"/>
           <a:stretch>
             <a:fillRect/>
           </a:stretch>
@@ -8192,7 +7120,7 @@
           <p:nvPr/>
         </p:nvPicPr>
         <p:blipFill>
-          <a:blip r:embed="rId9"/>
+          <a:blip r:embed="rId8"/>
           <a:stretch>
             <a:fillRect/>
           </a:stretch>
@@ -8216,7 +7144,7 @@
           <p:nvPr/>
         </p:nvPicPr>
         <p:blipFill>
-          <a:blip r:embed="rId10"/>
+          <a:blip r:embed="rId9"/>
           <a:stretch>
             <a:fillRect/>
           </a:stretch>
@@ -8240,7 +7168,7 @@
           <p:nvPr/>
         </p:nvPicPr>
         <p:blipFill>
-          <a:blip r:embed="rId11"/>
+          <a:blip r:embed="rId10"/>
           <a:stretch>
             <a:fillRect/>
           </a:stretch>
@@ -8463,19 +7391,17 @@
       </p:sp>
       <p:graphicFrame>
         <p:nvGraphicFramePr>
-          <p:cNvPr id="26" name="Google Shape;165;g7c553259d1_0_81"/>
-          <p:cNvGraphicFramePr/>
+          <p:cNvPr id="27" name="표 26"/>
+          <p:cNvGraphicFramePr>
+            <a:graphicFrameLocks noGrp="1"/>
+          </p:cNvGraphicFramePr>
           <p:nvPr>
-            <p:extLst>
-              <p:ext uri="{D42A27DB-BD31-4B8C-83A1-F6EECF244321}">
-                <p14:modId xmlns:p14="http://schemas.microsoft.com/office/powerpoint/2010/main" val="3665524489"/>
-              </p:ext>
-            </p:extLst>
+            <p:extLst/>
           </p:nvPr>
         </p:nvGraphicFramePr>
         <p:xfrm>
-          <a:off x="1525399" y="179305"/>
-          <a:ext cx="6048672" cy="864096"/>
+          <a:off x="8517924" y="1283516"/>
+          <a:ext cx="3491813" cy="848244"/>
         </p:xfrm>
         <a:graphic>
           <a:graphicData uri="http://schemas.openxmlformats.org/drawingml/2006/table">
@@ -8484,226 +7410,7 @@
                 <a:noFill/>
               </a:tblPr>
               <a:tblGrid>
-                <a:gridCol w="1152128">
-                  <a:extLst>
-                    <a:ext uri="{9D8B030D-6E8A-4147-A177-3AD203B41FA5}">
-                      <a16:colId xmlns:a16="http://schemas.microsoft.com/office/drawing/2014/main" xmlns="" val="20000"/>
-                    </a:ext>
-                  </a:extLst>
-                </a:gridCol>
-                <a:gridCol w="4896544">
-                  <a:extLst>
-                    <a:ext uri="{9D8B030D-6E8A-4147-A177-3AD203B41FA5}">
-                      <a16:colId xmlns:a16="http://schemas.microsoft.com/office/drawing/2014/main" xmlns="" val="20001"/>
-                    </a:ext>
-                  </a:extLst>
-                </a:gridCol>
-              </a:tblGrid>
-              <a:tr h="864096">
-                <a:tc>
-                  <a:txBody>
-                    <a:bodyPr/>
-                    <a:lstStyle/>
-                    <a:p>
-                      <a:pPr marL="0" marR="0" lvl="0" indent="0" algn="ctr" rtl="0">
-                        <a:lnSpc>
-                          <a:spcPct val="100000"/>
-                        </a:lnSpc>
-                        <a:spcBef>
-                          <a:spcPts val="0"/>
-                        </a:spcBef>
-                        <a:spcAft>
-                          <a:spcPts val="0"/>
-                        </a:spcAft>
-                        <a:buClr>
-                          <a:srgbClr val="000000"/>
-                        </a:buClr>
-                        <a:buSzPts val="1500"/>
-                        <a:buFont typeface="Arial"/>
-                        <a:buNone/>
-                      </a:pPr>
-                      <a:r>
-                        <a:rPr lang="ko-KR" altLang="en-US" sz="2500" b="0" u="none" strike="noStrike" cap="none" dirty="0" err="1" smtClean="0">
-                          <a:solidFill>
-                            <a:schemeClr val="dk1"/>
-                          </a:solidFill>
-                        </a:rPr>
-                        <a:t>화면명</a:t>
-                      </a:r>
-                      <a:endParaRPr sz="2500" b="0" u="none" strike="noStrike" cap="none" dirty="0">
-                        <a:solidFill>
-                          <a:schemeClr val="dk1"/>
-                        </a:solidFill>
-                      </a:endParaRPr>
-                    </a:p>
-                  </a:txBody>
-                  <a:tcPr marL="74304" marR="74304" marT="45725" marB="45725" anchor="ctr">
-                    <a:lnL w="12700" cap="flat" cmpd="sng">
-                      <a:solidFill>
-                        <a:schemeClr val="dk1"/>
-                      </a:solidFill>
-                      <a:prstDash val="solid"/>
-                      <a:round/>
-                      <a:headEnd type="none" w="sm" len="sm"/>
-                      <a:tailEnd type="none" w="sm" len="sm"/>
-                    </a:lnL>
-                    <a:lnR w="12700" cap="flat" cmpd="sng">
-                      <a:solidFill>
-                        <a:schemeClr val="dk1"/>
-                      </a:solidFill>
-                      <a:prstDash val="solid"/>
-                      <a:round/>
-                      <a:headEnd type="none" w="sm" len="sm"/>
-                      <a:tailEnd type="none" w="sm" len="sm"/>
-                    </a:lnR>
-                    <a:lnT w="12700" cap="flat" cmpd="sng">
-                      <a:solidFill>
-                        <a:schemeClr val="dk1"/>
-                      </a:solidFill>
-                      <a:prstDash val="solid"/>
-                      <a:round/>
-                      <a:headEnd type="none" w="sm" len="sm"/>
-                      <a:tailEnd type="none" w="sm" len="sm"/>
-                    </a:lnT>
-                    <a:lnB w="12700" cap="flat" cmpd="sng">
-                      <a:solidFill>
-                        <a:schemeClr val="dk1"/>
-                      </a:solidFill>
-                      <a:prstDash val="solid"/>
-                      <a:round/>
-                      <a:headEnd type="none" w="sm" len="sm"/>
-                      <a:tailEnd type="none" w="sm" len="sm"/>
-                    </a:lnB>
-                    <a:solidFill>
-                      <a:srgbClr val="D8D8D8"/>
-                    </a:solidFill>
-                  </a:tcPr>
-                </a:tc>
-                <a:tc>
-                  <a:txBody>
-                    <a:bodyPr/>
-                    <a:lstStyle/>
-                    <a:p>
-                      <a:pPr marL="0" marR="0" lvl="0" indent="0" algn="ctr" defTabSz="914400" rtl="0" eaLnBrk="1" fontAlgn="auto" latinLnBrk="1" hangingPunct="1">
-                        <a:lnSpc>
-                          <a:spcPct val="100000"/>
-                        </a:lnSpc>
-                        <a:spcBef>
-                          <a:spcPts val="0"/>
-                        </a:spcBef>
-                        <a:spcAft>
-                          <a:spcPts val="0"/>
-                        </a:spcAft>
-                        <a:buClr>
-                          <a:srgbClr val="000000"/>
-                        </a:buClr>
-                        <a:buSzPts val="1500"/>
-                        <a:buFont typeface="Arial"/>
-                        <a:buNone/>
-                        <a:tabLst/>
-                        <a:defRPr/>
-                      </a:pPr>
-                      <a:r>
-                        <a:rPr lang="ko-KR" altLang="en-US" sz="2500" b="0" u="none" strike="noStrike" cap="none" dirty="0" smtClean="0">
-                          <a:solidFill>
-                            <a:schemeClr val="dk1"/>
-                          </a:solidFill>
-                        </a:rPr>
-                        <a:t>세미나 상세 페이지 </a:t>
-                      </a:r>
-                      <a:r>
-                        <a:rPr lang="en-US" altLang="ko-KR" sz="2000" b="0" u="none" strike="noStrike" cap="none" dirty="0" smtClean="0">
-                          <a:solidFill>
-                            <a:schemeClr val="dk1"/>
-                          </a:solidFill>
-                        </a:rPr>
-                        <a:t>- 2</a:t>
-                      </a:r>
-                      <a:endParaRPr lang="ko-KR" altLang="en-US" sz="2000" b="0" u="none" strike="noStrike" cap="none" dirty="0" smtClean="0">
-                        <a:solidFill>
-                          <a:schemeClr val="dk1"/>
-                        </a:solidFill>
-                      </a:endParaRPr>
-                    </a:p>
-                  </a:txBody>
-                  <a:tcPr marL="74304" marR="74304" marT="45725" marB="45725" anchor="ctr">
-                    <a:lnL w="12700" cap="flat" cmpd="sng">
-                      <a:solidFill>
-                        <a:schemeClr val="dk1"/>
-                      </a:solidFill>
-                      <a:prstDash val="solid"/>
-                      <a:round/>
-                      <a:headEnd type="none" w="sm" len="sm"/>
-                      <a:tailEnd type="none" w="sm" len="sm"/>
-                    </a:lnL>
-                    <a:lnR w="12700" cap="flat" cmpd="sng">
-                      <a:solidFill>
-                        <a:schemeClr val="dk1"/>
-                      </a:solidFill>
-                      <a:prstDash val="solid"/>
-                      <a:round/>
-                      <a:headEnd type="none" w="sm" len="sm"/>
-                      <a:tailEnd type="none" w="sm" len="sm"/>
-                    </a:lnR>
-                    <a:lnT w="12700" cap="flat" cmpd="sng">
-                      <a:solidFill>
-                        <a:schemeClr val="dk1"/>
-                      </a:solidFill>
-                      <a:prstDash val="solid"/>
-                      <a:round/>
-                      <a:headEnd type="none" w="sm" len="sm"/>
-                      <a:tailEnd type="none" w="sm" len="sm"/>
-                    </a:lnT>
-                    <a:lnB w="12700" cap="flat" cmpd="sng">
-                      <a:solidFill>
-                        <a:schemeClr val="dk1"/>
-                      </a:solidFill>
-                      <a:prstDash val="solid"/>
-                      <a:round/>
-                      <a:headEnd type="none" w="sm" len="sm"/>
-                      <a:tailEnd type="none" w="sm" len="sm"/>
-                    </a:lnB>
-                    <a:solidFill>
-                      <a:schemeClr val="lt1"/>
-                    </a:solidFill>
-                  </a:tcPr>
-                </a:tc>
-                <a:extLst>
-                  <a:ext uri="{0D108BD9-81ED-4DB2-BD59-A6C34878D82A}">
-                    <a16:rowId xmlns:a16="http://schemas.microsoft.com/office/drawing/2014/main" xmlns="" val="10000"/>
-                  </a:ext>
-                </a:extLst>
-              </a:tr>
-            </a:tbl>
-          </a:graphicData>
-        </a:graphic>
-      </p:graphicFrame>
-      <p:graphicFrame>
-        <p:nvGraphicFramePr>
-          <p:cNvPr id="27" name="표 26"/>
-          <p:cNvGraphicFramePr>
-            <a:graphicFrameLocks noGrp="1"/>
-          </p:cNvGraphicFramePr>
-          <p:nvPr>
-            <p:extLst>
-              <p:ext uri="{D42A27DB-BD31-4B8C-83A1-F6EECF244321}">
-                <p14:modId xmlns:p14="http://schemas.microsoft.com/office/powerpoint/2010/main" val="2572878310"/>
-              </p:ext>
-            </p:extLst>
-          </p:nvPr>
-        </p:nvGraphicFramePr>
-        <p:xfrm>
-          <a:off x="8509686" y="168110"/>
-          <a:ext cx="2441795" cy="848244"/>
-        </p:xfrm>
-        <a:graphic>
-          <a:graphicData uri="http://schemas.openxmlformats.org/drawingml/2006/table">
-            <a:tbl>
-              <a:tblPr firstRow="1" bandRow="1">
-                <a:noFill/>
-              </a:tblPr>
-              <a:tblGrid>
-                <a:gridCol w="2441795"/>
+                <a:gridCol w="3491813"/>
               </a:tblGrid>
               <a:tr h="413450">
                 <a:tc>
@@ -8881,58 +7588,55 @@
       </p:graphicFrame>
       <p:sp>
         <p:nvSpPr>
-          <p:cNvPr id="28" name="직사각형 27"/>
+          <p:cNvPr id="11" name="직사각형 10"/>
           <p:cNvSpPr/>
           <p:nvPr/>
         </p:nvSpPr>
         <p:spPr>
           <a:xfrm>
-            <a:off x="228848" y="2096949"/>
-            <a:ext cx="296562" cy="344798"/>
+            <a:off x="302649" y="253719"/>
+            <a:ext cx="3506088" cy="477054"/>
           </a:xfrm>
           <a:prstGeom prst="rect">
             <a:avLst/>
           </a:prstGeom>
-          <a:solidFill>
-            <a:srgbClr val="FF0000"/>
-          </a:solidFill>
-          <a:ln>
-            <a:noFill/>
-          </a:ln>
         </p:spPr>
-        <p:style>
-          <a:lnRef idx="2">
-            <a:schemeClr val="accent1">
-              <a:shade val="50000"/>
-            </a:schemeClr>
-          </a:lnRef>
-          <a:fillRef idx="1">
-            <a:schemeClr val="accent1"/>
-          </a:fillRef>
-          <a:effectRef idx="0">
-            <a:schemeClr val="accent1"/>
-          </a:effectRef>
-          <a:fontRef idx="minor">
-            <a:schemeClr val="lt1"/>
-          </a:fontRef>
-        </p:style>
         <p:txBody>
-          <a:bodyPr rtlCol="0" anchor="ctr"/>
+          <a:bodyPr wrap="none">
+            <a:spAutoFit/>
+          </a:bodyPr>
           <a:lstStyle/>
           <a:p>
-            <a:pPr algn="ctr"/>
+            <a:pPr lvl="0" algn="ctr">
+              <a:buClr>
+                <a:srgbClr val="000000"/>
+              </a:buClr>
+              <a:buSzPts val="1500"/>
+              <a:defRPr/>
+            </a:pPr>
             <a:r>
-              <a:rPr lang="en-US" altLang="ko-KR" b="1" dirty="0" smtClean="0">
+              <a:rPr lang="ko-KR" altLang="en-US" sz="2500" dirty="0">
                 <a:solidFill>
                   <a:schemeClr val="bg1"/>
                 </a:solidFill>
+                <a:latin typeface="+mj-lt"/>
               </a:rPr>
-              <a:t>2</a:t>
+              <a:t>세미나 상세 페이지 </a:t>
             </a:r>
-            <a:endParaRPr lang="ko-KR" altLang="en-US" b="1" dirty="0">
+            <a:r>
+              <a:rPr lang="en-US" altLang="ko-KR" sz="2500" dirty="0">
+                <a:solidFill>
+                  <a:schemeClr val="bg1"/>
+                </a:solidFill>
+                <a:latin typeface="+mj-lt"/>
+              </a:rPr>
+              <a:t>- 2</a:t>
+            </a:r>
+            <a:endParaRPr lang="ko-KR" altLang="en-US" sz="2500" dirty="0">
               <a:solidFill>
                 <a:schemeClr val="bg1"/>
               </a:solidFill>
+              <a:latin typeface="+mj-lt"/>
             </a:endParaRPr>
           </a:p>
         </p:txBody>
@@ -8940,7 +7644,7 @@
     </p:spTree>
     <p:extLst>
       <p:ext uri="{BB962C8B-B14F-4D97-AF65-F5344CB8AC3E}">
-        <p14:creationId xmlns:p14="http://schemas.microsoft.com/office/powerpoint/2010/main" val="346072548"/>
+        <p14:creationId xmlns:p14="http://schemas.microsoft.com/office/powerpoint/2010/main" val="868759479"/>
       </p:ext>
     </p:extLst>
   </p:cSld>
@@ -8981,11 +7685,7 @@
             <a:graphicFrameLocks noGrp="1"/>
           </p:cNvGraphicFramePr>
           <p:nvPr>
-            <p:extLst>
-              <p:ext uri="{D42A27DB-BD31-4B8C-83A1-F6EECF244321}">
-                <p14:modId xmlns:p14="http://schemas.microsoft.com/office/powerpoint/2010/main" val="3169289685"/>
-              </p:ext>
-            </p:extLst>
+            <p:extLst/>
           </p:nvPr>
         </p:nvGraphicFramePr>
         <p:xfrm>
@@ -9217,7 +7917,7 @@
               <p:nvPr/>
             </p:nvPicPr>
             <p:blipFill>
-              <a:blip r:embed="rId3"/>
+              <a:blip r:embed="rId2"/>
               <a:stretch>
                 <a:fillRect/>
               </a:stretch>
@@ -9274,7 +7974,7 @@
           <p:nvPr/>
         </p:nvPicPr>
         <p:blipFill>
-          <a:blip r:embed="rId4"/>
+          <a:blip r:embed="rId3"/>
           <a:stretch>
             <a:fillRect/>
           </a:stretch>
@@ -9298,7 +7998,7 @@
           <p:nvPr/>
         </p:nvPicPr>
         <p:blipFill>
-          <a:blip r:embed="rId5"/>
+          <a:blip r:embed="rId4"/>
           <a:stretch>
             <a:fillRect/>
           </a:stretch>
@@ -9361,7 +8061,7 @@
                   <a:schemeClr val="bg1"/>
                 </a:solidFill>
               </a:rPr>
-              <a:t>1</a:t>
+              <a:t>7</a:t>
             </a:r>
             <a:endParaRPr lang="ko-KR" altLang="en-US" b="1" dirty="0">
               <a:solidFill>
@@ -9376,15 +8076,11 @@
           <p:cNvPr id="16" name="표 13"/>
           <p:cNvGraphicFramePr/>
           <p:nvPr>
-            <p:extLst>
-              <p:ext uri="{D42A27DB-BD31-4B8C-83A1-F6EECF244321}">
-                <p14:modId xmlns:p14="http://schemas.microsoft.com/office/powerpoint/2010/main" val="1710451781"/>
-              </p:ext>
-            </p:extLst>
+            <p:extLst/>
           </p:nvPr>
         </p:nvGraphicFramePr>
         <p:xfrm>
-          <a:off x="8509686" y="1264252"/>
+          <a:off x="8477462" y="2396021"/>
           <a:ext cx="3491813" cy="2212116"/>
         </p:xfrm>
         <a:graphic>
@@ -9514,7 +8210,7 @@
                       </a:pPr>
                       <a:r>
                         <a:rPr lang="en-US" sz="1500" dirty="0" smtClean="0"/>
-                        <a:t>1</a:t>
+                        <a:t>7</a:t>
                       </a:r>
                       <a:endParaRPr sz="1500" dirty="0"/>
                     </a:p>
@@ -9623,7 +8319,7 @@
                       </a:pPr>
                       <a:r>
                         <a:rPr lang="en-US" sz="1500" dirty="0" smtClean="0"/>
-                        <a:t>2</a:t>
+                        <a:t>8</a:t>
                       </a:r>
                       <a:endParaRPr sz="1500" dirty="0"/>
                     </a:p>
@@ -9804,7 +8500,7 @@
                   <a:schemeClr val="bg1"/>
                 </a:solidFill>
               </a:rPr>
-              <a:t>2</a:t>
+              <a:t>8</a:t>
             </a:r>
             <a:endParaRPr lang="ko-KR" altLang="en-US" b="1" dirty="0">
               <a:solidFill>
@@ -10049,7 +8745,7 @@
           <p:nvPr/>
         </p:nvPicPr>
         <p:blipFill>
-          <a:blip r:embed="rId6"/>
+          <a:blip r:embed="rId5"/>
           <a:stretch>
             <a:fillRect/>
           </a:stretch>
@@ -10941,7 +9637,7 @@
           <p:nvPr/>
         </p:nvPicPr>
         <p:blipFill>
-          <a:blip r:embed="rId7"/>
+          <a:blip r:embed="rId6"/>
           <a:stretch>
             <a:fillRect/>
           </a:stretch>
@@ -10965,7 +9661,7 @@
           <p:nvPr/>
         </p:nvPicPr>
         <p:blipFill>
-          <a:blip r:embed="rId8"/>
+          <a:blip r:embed="rId7"/>
           <a:stretch>
             <a:fillRect/>
           </a:stretch>
@@ -10989,7 +9685,7 @@
           <p:nvPr/>
         </p:nvPicPr>
         <p:blipFill>
-          <a:blip r:embed="rId9"/>
+          <a:blip r:embed="rId8"/>
           <a:stretch>
             <a:fillRect/>
           </a:stretch>
@@ -11063,19 +9759,17 @@
       </p:sp>
       <p:graphicFrame>
         <p:nvGraphicFramePr>
-          <p:cNvPr id="29" name="Google Shape;165;g7c553259d1_0_81"/>
-          <p:cNvGraphicFramePr/>
+          <p:cNvPr id="30" name="표 29"/>
+          <p:cNvGraphicFramePr>
+            <a:graphicFrameLocks noGrp="1"/>
+          </p:cNvGraphicFramePr>
           <p:nvPr>
-            <p:extLst>
-              <p:ext uri="{D42A27DB-BD31-4B8C-83A1-F6EECF244321}">
-                <p14:modId xmlns:p14="http://schemas.microsoft.com/office/powerpoint/2010/main" val="2591559609"/>
-              </p:ext>
-            </p:extLst>
+            <p:extLst/>
           </p:nvPr>
         </p:nvGraphicFramePr>
         <p:xfrm>
-          <a:off x="1525399" y="179305"/>
-          <a:ext cx="6048672" cy="864096"/>
+          <a:off x="8477462" y="1299879"/>
+          <a:ext cx="3491813" cy="848244"/>
         </p:xfrm>
         <a:graphic>
           <a:graphicData uri="http://schemas.openxmlformats.org/drawingml/2006/table">
@@ -11084,226 +9778,7 @@
                 <a:noFill/>
               </a:tblPr>
               <a:tblGrid>
-                <a:gridCol w="1152128">
-                  <a:extLst>
-                    <a:ext uri="{9D8B030D-6E8A-4147-A177-3AD203B41FA5}">
-                      <a16:colId xmlns:a16="http://schemas.microsoft.com/office/drawing/2014/main" xmlns="" val="20000"/>
-                    </a:ext>
-                  </a:extLst>
-                </a:gridCol>
-                <a:gridCol w="4896544">
-                  <a:extLst>
-                    <a:ext uri="{9D8B030D-6E8A-4147-A177-3AD203B41FA5}">
-                      <a16:colId xmlns:a16="http://schemas.microsoft.com/office/drawing/2014/main" xmlns="" val="20001"/>
-                    </a:ext>
-                  </a:extLst>
-                </a:gridCol>
-              </a:tblGrid>
-              <a:tr h="864096">
-                <a:tc>
-                  <a:txBody>
-                    <a:bodyPr/>
-                    <a:lstStyle/>
-                    <a:p>
-                      <a:pPr marL="0" marR="0" lvl="0" indent="0" algn="ctr" rtl="0">
-                        <a:lnSpc>
-                          <a:spcPct val="100000"/>
-                        </a:lnSpc>
-                        <a:spcBef>
-                          <a:spcPts val="0"/>
-                        </a:spcBef>
-                        <a:spcAft>
-                          <a:spcPts val="0"/>
-                        </a:spcAft>
-                        <a:buClr>
-                          <a:srgbClr val="000000"/>
-                        </a:buClr>
-                        <a:buSzPts val="1500"/>
-                        <a:buFont typeface="Arial"/>
-                        <a:buNone/>
-                      </a:pPr>
-                      <a:r>
-                        <a:rPr lang="ko-KR" altLang="en-US" sz="2500" b="0" u="none" strike="noStrike" cap="none" dirty="0" err="1" smtClean="0">
-                          <a:solidFill>
-                            <a:schemeClr val="dk1"/>
-                          </a:solidFill>
-                        </a:rPr>
-                        <a:t>화면명</a:t>
-                      </a:r>
-                      <a:endParaRPr sz="2500" b="0" u="none" strike="noStrike" cap="none" dirty="0">
-                        <a:solidFill>
-                          <a:schemeClr val="dk1"/>
-                        </a:solidFill>
-                      </a:endParaRPr>
-                    </a:p>
-                  </a:txBody>
-                  <a:tcPr marL="74304" marR="74304" marT="45725" marB="45725" anchor="ctr">
-                    <a:lnL w="12700" cap="flat" cmpd="sng">
-                      <a:solidFill>
-                        <a:schemeClr val="dk1"/>
-                      </a:solidFill>
-                      <a:prstDash val="solid"/>
-                      <a:round/>
-                      <a:headEnd type="none" w="sm" len="sm"/>
-                      <a:tailEnd type="none" w="sm" len="sm"/>
-                    </a:lnL>
-                    <a:lnR w="12700" cap="flat" cmpd="sng">
-                      <a:solidFill>
-                        <a:schemeClr val="dk1"/>
-                      </a:solidFill>
-                      <a:prstDash val="solid"/>
-                      <a:round/>
-                      <a:headEnd type="none" w="sm" len="sm"/>
-                      <a:tailEnd type="none" w="sm" len="sm"/>
-                    </a:lnR>
-                    <a:lnT w="12700" cap="flat" cmpd="sng">
-                      <a:solidFill>
-                        <a:schemeClr val="dk1"/>
-                      </a:solidFill>
-                      <a:prstDash val="solid"/>
-                      <a:round/>
-                      <a:headEnd type="none" w="sm" len="sm"/>
-                      <a:tailEnd type="none" w="sm" len="sm"/>
-                    </a:lnT>
-                    <a:lnB w="12700" cap="flat" cmpd="sng">
-                      <a:solidFill>
-                        <a:schemeClr val="dk1"/>
-                      </a:solidFill>
-                      <a:prstDash val="solid"/>
-                      <a:round/>
-                      <a:headEnd type="none" w="sm" len="sm"/>
-                      <a:tailEnd type="none" w="sm" len="sm"/>
-                    </a:lnB>
-                    <a:solidFill>
-                      <a:srgbClr val="D8D8D8"/>
-                    </a:solidFill>
-                  </a:tcPr>
-                </a:tc>
-                <a:tc>
-                  <a:txBody>
-                    <a:bodyPr/>
-                    <a:lstStyle/>
-                    <a:p>
-                      <a:pPr marL="0" marR="0" lvl="0" indent="0" algn="ctr" defTabSz="914400" rtl="0" eaLnBrk="1" fontAlgn="auto" latinLnBrk="1" hangingPunct="1">
-                        <a:lnSpc>
-                          <a:spcPct val="100000"/>
-                        </a:lnSpc>
-                        <a:spcBef>
-                          <a:spcPts val="0"/>
-                        </a:spcBef>
-                        <a:spcAft>
-                          <a:spcPts val="0"/>
-                        </a:spcAft>
-                        <a:buClr>
-                          <a:srgbClr val="000000"/>
-                        </a:buClr>
-                        <a:buSzPts val="1500"/>
-                        <a:buFont typeface="Arial"/>
-                        <a:buNone/>
-                        <a:tabLst/>
-                        <a:defRPr/>
-                      </a:pPr>
-                      <a:r>
-                        <a:rPr lang="ko-KR" altLang="en-US" sz="2500" b="0" u="none" strike="noStrike" cap="none" dirty="0" smtClean="0">
-                          <a:solidFill>
-                            <a:schemeClr val="dk1"/>
-                          </a:solidFill>
-                        </a:rPr>
-                        <a:t>세미나 결제 페이지 </a:t>
-                      </a:r>
-                      <a:r>
-                        <a:rPr lang="en-US" altLang="ko-KR" sz="2000" b="0" u="none" strike="noStrike" cap="none" dirty="0" smtClean="0">
-                          <a:solidFill>
-                            <a:schemeClr val="dk1"/>
-                          </a:solidFill>
-                        </a:rPr>
-                        <a:t>- 1</a:t>
-                      </a:r>
-                      <a:endParaRPr lang="ko-KR" altLang="en-US" sz="2000" b="0" u="none" strike="noStrike" cap="none" dirty="0" smtClean="0">
-                        <a:solidFill>
-                          <a:schemeClr val="dk1"/>
-                        </a:solidFill>
-                      </a:endParaRPr>
-                    </a:p>
-                  </a:txBody>
-                  <a:tcPr marL="74304" marR="74304" marT="45725" marB="45725" anchor="ctr">
-                    <a:lnL w="12700" cap="flat" cmpd="sng">
-                      <a:solidFill>
-                        <a:schemeClr val="dk1"/>
-                      </a:solidFill>
-                      <a:prstDash val="solid"/>
-                      <a:round/>
-                      <a:headEnd type="none" w="sm" len="sm"/>
-                      <a:tailEnd type="none" w="sm" len="sm"/>
-                    </a:lnL>
-                    <a:lnR w="12700" cap="flat" cmpd="sng">
-                      <a:solidFill>
-                        <a:schemeClr val="dk1"/>
-                      </a:solidFill>
-                      <a:prstDash val="solid"/>
-                      <a:round/>
-                      <a:headEnd type="none" w="sm" len="sm"/>
-                      <a:tailEnd type="none" w="sm" len="sm"/>
-                    </a:lnR>
-                    <a:lnT w="12700" cap="flat" cmpd="sng">
-                      <a:solidFill>
-                        <a:schemeClr val="dk1"/>
-                      </a:solidFill>
-                      <a:prstDash val="solid"/>
-                      <a:round/>
-                      <a:headEnd type="none" w="sm" len="sm"/>
-                      <a:tailEnd type="none" w="sm" len="sm"/>
-                    </a:lnT>
-                    <a:lnB w="12700" cap="flat" cmpd="sng">
-                      <a:solidFill>
-                        <a:schemeClr val="dk1"/>
-                      </a:solidFill>
-                      <a:prstDash val="solid"/>
-                      <a:round/>
-                      <a:headEnd type="none" w="sm" len="sm"/>
-                      <a:tailEnd type="none" w="sm" len="sm"/>
-                    </a:lnB>
-                    <a:solidFill>
-                      <a:schemeClr val="lt1"/>
-                    </a:solidFill>
-                  </a:tcPr>
-                </a:tc>
-                <a:extLst>
-                  <a:ext uri="{0D108BD9-81ED-4DB2-BD59-A6C34878D82A}">
-                    <a16:rowId xmlns:a16="http://schemas.microsoft.com/office/drawing/2014/main" xmlns="" val="10000"/>
-                  </a:ext>
-                </a:extLst>
-              </a:tr>
-            </a:tbl>
-          </a:graphicData>
-        </a:graphic>
-      </p:graphicFrame>
-      <p:graphicFrame>
-        <p:nvGraphicFramePr>
-          <p:cNvPr id="30" name="표 29"/>
-          <p:cNvGraphicFramePr>
-            <a:graphicFrameLocks noGrp="1"/>
-          </p:cNvGraphicFramePr>
-          <p:nvPr>
-            <p:extLst>
-              <p:ext uri="{D42A27DB-BD31-4B8C-83A1-F6EECF244321}">
-                <p14:modId xmlns:p14="http://schemas.microsoft.com/office/powerpoint/2010/main" val="946291398"/>
-              </p:ext>
-            </p:extLst>
-          </p:nvPr>
-        </p:nvGraphicFramePr>
-        <p:xfrm>
-          <a:off x="8509686" y="168110"/>
-          <a:ext cx="2441795" cy="848244"/>
-        </p:xfrm>
-        <a:graphic>
-          <a:graphicData uri="http://schemas.openxmlformats.org/drawingml/2006/table">
-            <a:tbl>
-              <a:tblPr firstRow="1" bandRow="1">
-                <a:noFill/>
-              </a:tblPr>
-              <a:tblGrid>
-                <a:gridCol w="2441795"/>
+                <a:gridCol w="3491813"/>
               </a:tblGrid>
               <a:tr h="413450">
                 <a:tc>
@@ -11479,10 +9954,65 @@
           </a:graphicData>
         </a:graphic>
       </p:graphicFrame>
+      <p:sp>
+        <p:nvSpPr>
+          <p:cNvPr id="7" name="직사각형 6"/>
+          <p:cNvSpPr/>
+          <p:nvPr/>
+        </p:nvSpPr>
+        <p:spPr>
+          <a:xfrm>
+            <a:off x="118344" y="230547"/>
+            <a:ext cx="3506088" cy="477054"/>
+          </a:xfrm>
+          <a:prstGeom prst="rect">
+            <a:avLst/>
+          </a:prstGeom>
+        </p:spPr>
+        <p:txBody>
+          <a:bodyPr wrap="none">
+            <a:spAutoFit/>
+          </a:bodyPr>
+          <a:lstStyle/>
+          <a:p>
+            <a:pPr lvl="0" algn="ctr">
+              <a:buClr>
+                <a:srgbClr val="000000"/>
+              </a:buClr>
+              <a:buSzPts val="1500"/>
+              <a:defRPr/>
+            </a:pPr>
+            <a:r>
+              <a:rPr lang="ko-KR" altLang="en-US" sz="2500" dirty="0">
+                <a:solidFill>
+                  <a:schemeClr val="bg1"/>
+                </a:solidFill>
+                <a:latin typeface="+mj-lt"/>
+              </a:rPr>
+              <a:t>세미나 결제 페이지 </a:t>
+            </a:r>
+            <a:r>
+              <a:rPr lang="en-US" altLang="ko-KR" sz="2500" dirty="0">
+                <a:solidFill>
+                  <a:schemeClr val="bg1"/>
+                </a:solidFill>
+                <a:latin typeface="+mj-lt"/>
+              </a:rPr>
+              <a:t>- 1</a:t>
+            </a:r>
+            <a:endParaRPr lang="ko-KR" altLang="en-US" sz="2500" dirty="0">
+              <a:solidFill>
+                <a:schemeClr val="bg1"/>
+              </a:solidFill>
+              <a:latin typeface="+mj-lt"/>
+            </a:endParaRPr>
+          </a:p>
+        </p:txBody>
+      </p:sp>
     </p:spTree>
     <p:extLst>
       <p:ext uri="{BB962C8B-B14F-4D97-AF65-F5344CB8AC3E}">
-        <p14:creationId xmlns:p14="http://schemas.microsoft.com/office/powerpoint/2010/main" val="1032536491"/>
+        <p14:creationId xmlns:p14="http://schemas.microsoft.com/office/powerpoint/2010/main" val="1650973052"/>
       </p:ext>
     </p:extLst>
   </p:cSld>
@@ -11521,15 +10051,11 @@
           <p:cNvPr id="99" name="표 13"/>
           <p:cNvGraphicFramePr/>
           <p:nvPr>
-            <p:extLst>
-              <p:ext uri="{D42A27DB-BD31-4B8C-83A1-F6EECF244321}">
-                <p14:modId xmlns:p14="http://schemas.microsoft.com/office/powerpoint/2010/main" val="3715622630"/>
-              </p:ext>
-            </p:extLst>
+            <p:extLst/>
           </p:nvPr>
         </p:nvGraphicFramePr>
         <p:xfrm>
-          <a:off x="8509686" y="1289960"/>
+          <a:off x="8509686" y="2405366"/>
           <a:ext cx="3491813" cy="1326453"/>
         </p:xfrm>
         <a:graphic>
@@ -11657,10 +10183,9 @@
                         <a:defRPr sz="1800"/>
                       </a:pPr>
                       <a:r>
-                        <a:rPr lang="en-US" sz="1500" dirty="0" smtClean="0"/>
-                        <a:t>3</a:t>
-                      </a:r>
-                      <a:endParaRPr sz="1500" dirty="0"/>
+                        <a:rPr sz="1500"/>
+                        <a:t>1</a:t>
+                      </a:r>
                     </a:p>
                   </a:txBody>
                   <a:tcPr marL="45720" marR="45720" anchor="ctr" horzOverflow="overflow">
@@ -11999,7 +10524,7 @@
               <p:nvPr/>
             </p:nvPicPr>
             <p:blipFill>
-              <a:blip r:embed="rId3"/>
+              <a:blip r:embed="rId2"/>
               <a:stretch>
                 <a:fillRect/>
               </a:stretch>
@@ -12054,11 +10579,7 @@
             <a:graphicFrameLocks noGrp="1"/>
           </p:cNvGraphicFramePr>
           <p:nvPr>
-            <p:extLst>
-              <p:ext uri="{D42A27DB-BD31-4B8C-83A1-F6EECF244321}">
-                <p14:modId xmlns:p14="http://schemas.microsoft.com/office/powerpoint/2010/main" val="3262345372"/>
-              </p:ext>
-            </p:extLst>
+            <p:extLst/>
           </p:nvPr>
         </p:nvGraphicFramePr>
         <p:xfrm>
@@ -12241,11 +10762,7 @@
             <a:graphicFrameLocks noGrp="1"/>
           </p:cNvGraphicFramePr>
           <p:nvPr>
-            <p:extLst>
-              <p:ext uri="{D42A27DB-BD31-4B8C-83A1-F6EECF244321}">
-                <p14:modId xmlns:p14="http://schemas.microsoft.com/office/powerpoint/2010/main" val="2456146148"/>
-              </p:ext>
-            </p:extLst>
+            <p:extLst/>
           </p:nvPr>
         </p:nvGraphicFramePr>
         <p:xfrm>
@@ -12496,19 +11013,17 @@
       </p:sp>
       <p:graphicFrame>
         <p:nvGraphicFramePr>
-          <p:cNvPr id="16" name="Google Shape;165;g7c553259d1_0_81"/>
-          <p:cNvGraphicFramePr/>
+          <p:cNvPr id="17" name="표 16"/>
+          <p:cNvGraphicFramePr>
+            <a:graphicFrameLocks noGrp="1"/>
+          </p:cNvGraphicFramePr>
           <p:nvPr>
-            <p:extLst>
-              <p:ext uri="{D42A27DB-BD31-4B8C-83A1-F6EECF244321}">
-                <p14:modId xmlns:p14="http://schemas.microsoft.com/office/powerpoint/2010/main" val="1192176923"/>
-              </p:ext>
-            </p:extLst>
+            <p:extLst/>
           </p:nvPr>
         </p:nvGraphicFramePr>
         <p:xfrm>
-          <a:off x="1525399" y="179305"/>
-          <a:ext cx="6048672" cy="864096"/>
+          <a:off x="8509686" y="1283516"/>
+          <a:ext cx="3491813" cy="848244"/>
         </p:xfrm>
         <a:graphic>
           <a:graphicData uri="http://schemas.openxmlformats.org/drawingml/2006/table">
@@ -12517,226 +11032,7 @@
                 <a:noFill/>
               </a:tblPr>
               <a:tblGrid>
-                <a:gridCol w="1152128">
-                  <a:extLst>
-                    <a:ext uri="{9D8B030D-6E8A-4147-A177-3AD203B41FA5}">
-                      <a16:colId xmlns:a16="http://schemas.microsoft.com/office/drawing/2014/main" xmlns="" val="20000"/>
-                    </a:ext>
-                  </a:extLst>
-                </a:gridCol>
-                <a:gridCol w="4896544">
-                  <a:extLst>
-                    <a:ext uri="{9D8B030D-6E8A-4147-A177-3AD203B41FA5}">
-                      <a16:colId xmlns:a16="http://schemas.microsoft.com/office/drawing/2014/main" xmlns="" val="20001"/>
-                    </a:ext>
-                  </a:extLst>
-                </a:gridCol>
-              </a:tblGrid>
-              <a:tr h="864096">
-                <a:tc>
-                  <a:txBody>
-                    <a:bodyPr/>
-                    <a:lstStyle/>
-                    <a:p>
-                      <a:pPr marL="0" marR="0" lvl="0" indent="0" algn="ctr" rtl="0">
-                        <a:lnSpc>
-                          <a:spcPct val="100000"/>
-                        </a:lnSpc>
-                        <a:spcBef>
-                          <a:spcPts val="0"/>
-                        </a:spcBef>
-                        <a:spcAft>
-                          <a:spcPts val="0"/>
-                        </a:spcAft>
-                        <a:buClr>
-                          <a:srgbClr val="000000"/>
-                        </a:buClr>
-                        <a:buSzPts val="1500"/>
-                        <a:buFont typeface="Arial"/>
-                        <a:buNone/>
-                      </a:pPr>
-                      <a:r>
-                        <a:rPr lang="ko-KR" altLang="en-US" sz="2500" b="0" u="none" strike="noStrike" cap="none" dirty="0" err="1" smtClean="0">
-                          <a:solidFill>
-                            <a:schemeClr val="dk1"/>
-                          </a:solidFill>
-                        </a:rPr>
-                        <a:t>화면명</a:t>
-                      </a:r>
-                      <a:endParaRPr sz="2500" b="0" u="none" strike="noStrike" cap="none" dirty="0">
-                        <a:solidFill>
-                          <a:schemeClr val="dk1"/>
-                        </a:solidFill>
-                      </a:endParaRPr>
-                    </a:p>
-                  </a:txBody>
-                  <a:tcPr marL="74304" marR="74304" marT="45725" marB="45725" anchor="ctr">
-                    <a:lnL w="12700" cap="flat" cmpd="sng">
-                      <a:solidFill>
-                        <a:schemeClr val="dk1"/>
-                      </a:solidFill>
-                      <a:prstDash val="solid"/>
-                      <a:round/>
-                      <a:headEnd type="none" w="sm" len="sm"/>
-                      <a:tailEnd type="none" w="sm" len="sm"/>
-                    </a:lnL>
-                    <a:lnR w="12700" cap="flat" cmpd="sng">
-                      <a:solidFill>
-                        <a:schemeClr val="dk1"/>
-                      </a:solidFill>
-                      <a:prstDash val="solid"/>
-                      <a:round/>
-                      <a:headEnd type="none" w="sm" len="sm"/>
-                      <a:tailEnd type="none" w="sm" len="sm"/>
-                    </a:lnR>
-                    <a:lnT w="12700" cap="flat" cmpd="sng">
-                      <a:solidFill>
-                        <a:schemeClr val="dk1"/>
-                      </a:solidFill>
-                      <a:prstDash val="solid"/>
-                      <a:round/>
-                      <a:headEnd type="none" w="sm" len="sm"/>
-                      <a:tailEnd type="none" w="sm" len="sm"/>
-                    </a:lnT>
-                    <a:lnB w="12700" cap="flat" cmpd="sng">
-                      <a:solidFill>
-                        <a:schemeClr val="dk1"/>
-                      </a:solidFill>
-                      <a:prstDash val="solid"/>
-                      <a:round/>
-                      <a:headEnd type="none" w="sm" len="sm"/>
-                      <a:tailEnd type="none" w="sm" len="sm"/>
-                    </a:lnB>
-                    <a:solidFill>
-                      <a:srgbClr val="D8D8D8"/>
-                    </a:solidFill>
-                  </a:tcPr>
-                </a:tc>
-                <a:tc>
-                  <a:txBody>
-                    <a:bodyPr/>
-                    <a:lstStyle/>
-                    <a:p>
-                      <a:pPr marL="0" marR="0" lvl="0" indent="0" algn="ctr" defTabSz="914400" rtl="0" eaLnBrk="1" fontAlgn="auto" latinLnBrk="1" hangingPunct="1">
-                        <a:lnSpc>
-                          <a:spcPct val="100000"/>
-                        </a:lnSpc>
-                        <a:spcBef>
-                          <a:spcPts val="0"/>
-                        </a:spcBef>
-                        <a:spcAft>
-                          <a:spcPts val="0"/>
-                        </a:spcAft>
-                        <a:buClr>
-                          <a:srgbClr val="000000"/>
-                        </a:buClr>
-                        <a:buSzPts val="1500"/>
-                        <a:buFont typeface="Arial"/>
-                        <a:buNone/>
-                        <a:tabLst/>
-                        <a:defRPr/>
-                      </a:pPr>
-                      <a:r>
-                        <a:rPr lang="ko-KR" altLang="en-US" sz="2500" b="0" u="none" strike="noStrike" cap="none" dirty="0" smtClean="0">
-                          <a:solidFill>
-                            <a:schemeClr val="dk1"/>
-                          </a:solidFill>
-                        </a:rPr>
-                        <a:t>세미나 결제 페이지 </a:t>
-                      </a:r>
-                      <a:r>
-                        <a:rPr lang="en-US" altLang="ko-KR" sz="2000" b="0" u="none" strike="noStrike" cap="none" dirty="0" smtClean="0">
-                          <a:solidFill>
-                            <a:schemeClr val="dk1"/>
-                          </a:solidFill>
-                        </a:rPr>
-                        <a:t>- 5</a:t>
-                      </a:r>
-                      <a:endParaRPr lang="ko-KR" altLang="en-US" sz="2000" b="0" u="none" strike="noStrike" cap="none" dirty="0" smtClean="0">
-                        <a:solidFill>
-                          <a:schemeClr val="dk1"/>
-                        </a:solidFill>
-                      </a:endParaRPr>
-                    </a:p>
-                  </a:txBody>
-                  <a:tcPr marL="74304" marR="74304" marT="45725" marB="45725" anchor="ctr">
-                    <a:lnL w="12700" cap="flat" cmpd="sng">
-                      <a:solidFill>
-                        <a:schemeClr val="dk1"/>
-                      </a:solidFill>
-                      <a:prstDash val="solid"/>
-                      <a:round/>
-                      <a:headEnd type="none" w="sm" len="sm"/>
-                      <a:tailEnd type="none" w="sm" len="sm"/>
-                    </a:lnL>
-                    <a:lnR w="12700" cap="flat" cmpd="sng">
-                      <a:solidFill>
-                        <a:schemeClr val="dk1"/>
-                      </a:solidFill>
-                      <a:prstDash val="solid"/>
-                      <a:round/>
-                      <a:headEnd type="none" w="sm" len="sm"/>
-                      <a:tailEnd type="none" w="sm" len="sm"/>
-                    </a:lnR>
-                    <a:lnT w="12700" cap="flat" cmpd="sng">
-                      <a:solidFill>
-                        <a:schemeClr val="dk1"/>
-                      </a:solidFill>
-                      <a:prstDash val="solid"/>
-                      <a:round/>
-                      <a:headEnd type="none" w="sm" len="sm"/>
-                      <a:tailEnd type="none" w="sm" len="sm"/>
-                    </a:lnT>
-                    <a:lnB w="12700" cap="flat" cmpd="sng">
-                      <a:solidFill>
-                        <a:schemeClr val="dk1"/>
-                      </a:solidFill>
-                      <a:prstDash val="solid"/>
-                      <a:round/>
-                      <a:headEnd type="none" w="sm" len="sm"/>
-                      <a:tailEnd type="none" w="sm" len="sm"/>
-                    </a:lnB>
-                    <a:solidFill>
-                      <a:schemeClr val="lt1"/>
-                    </a:solidFill>
-                  </a:tcPr>
-                </a:tc>
-                <a:extLst>
-                  <a:ext uri="{0D108BD9-81ED-4DB2-BD59-A6C34878D82A}">
-                    <a16:rowId xmlns:a16="http://schemas.microsoft.com/office/drawing/2014/main" xmlns="" val="10000"/>
-                  </a:ext>
-                </a:extLst>
-              </a:tr>
-            </a:tbl>
-          </a:graphicData>
-        </a:graphic>
-      </p:graphicFrame>
-      <p:graphicFrame>
-        <p:nvGraphicFramePr>
-          <p:cNvPr id="17" name="표 16"/>
-          <p:cNvGraphicFramePr>
-            <a:graphicFrameLocks noGrp="1"/>
-          </p:cNvGraphicFramePr>
-          <p:nvPr>
-            <p:extLst>
-              <p:ext uri="{D42A27DB-BD31-4B8C-83A1-F6EECF244321}">
-                <p14:modId xmlns:p14="http://schemas.microsoft.com/office/powerpoint/2010/main" val="1364310001"/>
-              </p:ext>
-            </p:extLst>
-          </p:nvPr>
-        </p:nvGraphicFramePr>
-        <p:xfrm>
-          <a:off x="8509686" y="168110"/>
-          <a:ext cx="2441795" cy="848244"/>
-        </p:xfrm>
-        <a:graphic>
-          <a:graphicData uri="http://schemas.openxmlformats.org/drawingml/2006/table">
-            <a:tbl>
-              <a:tblPr firstRow="1" bandRow="1">
-                <a:noFill/>
-              </a:tblPr>
-              <a:tblGrid>
-                <a:gridCol w="2441795"/>
+                <a:gridCol w="3491813"/>
               </a:tblGrid>
               <a:tr h="413450">
                 <a:tc>
@@ -12914,58 +11210,55 @@
       </p:graphicFrame>
       <p:sp>
         <p:nvSpPr>
-          <p:cNvPr id="14" name="직사각형 13"/>
+          <p:cNvPr id="3" name="직사각형 2"/>
           <p:cNvSpPr/>
           <p:nvPr/>
         </p:nvSpPr>
         <p:spPr>
           <a:xfrm>
-            <a:off x="1675637" y="2242347"/>
-            <a:ext cx="296562" cy="344798"/>
+            <a:off x="18091" y="273115"/>
+            <a:ext cx="3506088" cy="477054"/>
           </a:xfrm>
           <a:prstGeom prst="rect">
             <a:avLst/>
           </a:prstGeom>
-          <a:solidFill>
-            <a:srgbClr val="FF0000"/>
-          </a:solidFill>
-          <a:ln>
-            <a:noFill/>
-          </a:ln>
         </p:spPr>
-        <p:style>
-          <a:lnRef idx="2">
-            <a:schemeClr val="accent1">
-              <a:shade val="50000"/>
-            </a:schemeClr>
-          </a:lnRef>
-          <a:fillRef idx="1">
-            <a:schemeClr val="accent1"/>
-          </a:fillRef>
-          <a:effectRef idx="0">
-            <a:schemeClr val="accent1"/>
-          </a:effectRef>
-          <a:fontRef idx="minor">
-            <a:schemeClr val="lt1"/>
-          </a:fontRef>
-        </p:style>
         <p:txBody>
-          <a:bodyPr rtlCol="0" anchor="ctr"/>
+          <a:bodyPr wrap="none">
+            <a:spAutoFit/>
+          </a:bodyPr>
           <a:lstStyle/>
           <a:p>
-            <a:pPr algn="ctr"/>
+            <a:pPr lvl="0" algn="ctr">
+              <a:buClr>
+                <a:srgbClr val="000000"/>
+              </a:buClr>
+              <a:buSzPts val="1500"/>
+              <a:defRPr/>
+            </a:pPr>
             <a:r>
-              <a:rPr lang="en-US" altLang="ko-KR" b="1" dirty="0" smtClean="0">
+              <a:rPr lang="ko-KR" altLang="en-US" sz="2500" dirty="0">
                 <a:solidFill>
                   <a:schemeClr val="bg1"/>
                 </a:solidFill>
+                <a:latin typeface="+mj-lt"/>
               </a:rPr>
-              <a:t>3</a:t>
+              <a:t>세미나 결제 페이지 </a:t>
             </a:r>
-            <a:endParaRPr lang="ko-KR" altLang="en-US" b="1" dirty="0">
+            <a:r>
+              <a:rPr lang="en-US" altLang="ko-KR" sz="2500" dirty="0">
+                <a:solidFill>
+                  <a:schemeClr val="bg1"/>
+                </a:solidFill>
+                <a:latin typeface="+mj-lt"/>
+              </a:rPr>
+              <a:t>- 5</a:t>
+            </a:r>
+            <a:endParaRPr lang="ko-KR" altLang="en-US" sz="2500" dirty="0">
               <a:solidFill>
                 <a:schemeClr val="bg1"/>
               </a:solidFill>
+              <a:latin typeface="+mj-lt"/>
             </a:endParaRPr>
           </a:p>
         </p:txBody>
@@ -12973,7 +11266,7 @@
     </p:spTree>
     <p:extLst>
       <p:ext uri="{BB962C8B-B14F-4D97-AF65-F5344CB8AC3E}">
-        <p14:creationId xmlns:p14="http://schemas.microsoft.com/office/powerpoint/2010/main" val="4213036870"/>
+        <p14:creationId xmlns:p14="http://schemas.microsoft.com/office/powerpoint/2010/main" val="870500381"/>
       </p:ext>
     </p:extLst>
   </p:cSld>
@@ -13012,15 +11305,11 @@
           <p:cNvPr id="99" name="표 13"/>
           <p:cNvGraphicFramePr/>
           <p:nvPr>
-            <p:extLst>
-              <p:ext uri="{D42A27DB-BD31-4B8C-83A1-F6EECF244321}">
-                <p14:modId xmlns:p14="http://schemas.microsoft.com/office/powerpoint/2010/main" val="2736892214"/>
-              </p:ext>
-            </p:extLst>
+            <p:extLst/>
           </p:nvPr>
         </p:nvGraphicFramePr>
         <p:xfrm>
-          <a:off x="8509686" y="1289960"/>
+          <a:off x="8583827" y="2399191"/>
           <a:ext cx="3491813" cy="1326453"/>
         </p:xfrm>
         <a:graphic>
@@ -13148,10 +11437,9 @@
                         <a:defRPr sz="1800"/>
                       </a:pPr>
                       <a:r>
-                        <a:rPr lang="en-US" sz="1500" dirty="0" smtClean="0"/>
+                        <a:rPr sz="1500"/>
                         <a:t>1</a:t>
                       </a:r>
-                      <a:endParaRPr sz="1500" dirty="0"/>
                     </a:p>
                   </a:txBody>
                   <a:tcPr marL="45720" marR="45720" anchor="ctr" horzOverflow="overflow">
@@ -13300,11 +11588,7 @@
             <a:graphicFrameLocks noGrp="1"/>
           </p:cNvGraphicFramePr>
           <p:nvPr>
-            <p:extLst>
-              <p:ext uri="{D42A27DB-BD31-4B8C-83A1-F6EECF244321}">
-                <p14:modId xmlns:p14="http://schemas.microsoft.com/office/powerpoint/2010/main" val="455707765"/>
-              </p:ext>
-            </p:extLst>
+            <p:extLst/>
           </p:nvPr>
         </p:nvGraphicFramePr>
         <p:xfrm>
@@ -13443,11 +11727,7 @@
             <a:graphicFrameLocks noGrp="1"/>
           </p:cNvGraphicFramePr>
           <p:nvPr>
-            <p:extLst>
-              <p:ext uri="{D42A27DB-BD31-4B8C-83A1-F6EECF244321}">
-                <p14:modId xmlns:p14="http://schemas.microsoft.com/office/powerpoint/2010/main" val="3713939424"/>
-              </p:ext>
-            </p:extLst>
+            <p:extLst/>
           </p:nvPr>
         </p:nvGraphicFramePr>
         <p:xfrm>
@@ -17493,7 +15773,7 @@
           <p:nvPr/>
         </p:nvPicPr>
         <p:blipFill>
-          <a:blip r:embed="rId3"/>
+          <a:blip r:embed="rId2"/>
           <a:stretch>
             <a:fillRect/>
           </a:stretch>
@@ -17508,6 +15788,64 @@
           </a:prstGeom>
         </p:spPr>
       </p:pic>
+      <p:sp>
+        <p:nvSpPr>
+          <p:cNvPr id="31" name="직사각형 30"/>
+          <p:cNvSpPr/>
+          <p:nvPr/>
+        </p:nvSpPr>
+        <p:spPr>
+          <a:xfrm>
+            <a:off x="1919409" y="1780787"/>
+            <a:ext cx="296562" cy="344798"/>
+          </a:xfrm>
+          <a:prstGeom prst="rect">
+            <a:avLst/>
+          </a:prstGeom>
+          <a:solidFill>
+            <a:srgbClr val="FF0000"/>
+          </a:solidFill>
+          <a:ln>
+            <a:noFill/>
+          </a:ln>
+        </p:spPr>
+        <p:style>
+          <a:lnRef idx="2">
+            <a:schemeClr val="accent1">
+              <a:shade val="50000"/>
+            </a:schemeClr>
+          </a:lnRef>
+          <a:fillRef idx="1">
+            <a:schemeClr val="accent1"/>
+          </a:fillRef>
+          <a:effectRef idx="0">
+            <a:schemeClr val="accent1"/>
+          </a:effectRef>
+          <a:fontRef idx="minor">
+            <a:schemeClr val="lt1"/>
+          </a:fontRef>
+        </p:style>
+        <p:txBody>
+          <a:bodyPr rtlCol="0" anchor="ctr"/>
+          <a:lstStyle/>
+          <a:p>
+            <a:pPr algn="ctr"/>
+            <a:r>
+              <a:rPr lang="en-US" altLang="ko-KR" b="1" dirty="0" smtClean="0">
+                <a:solidFill>
+                  <a:schemeClr val="bg1"/>
+                </a:solidFill>
+              </a:rPr>
+              <a:t>8</a:t>
+            </a:r>
+            <a:endParaRPr lang="ko-KR" altLang="en-US" b="1" dirty="0">
+              <a:solidFill>
+                <a:schemeClr val="bg1"/>
+              </a:solidFill>
+            </a:endParaRPr>
+          </a:p>
+        </p:txBody>
+      </p:sp>
       <p:graphicFrame>
         <p:nvGraphicFramePr>
           <p:cNvPr id="32" name="표 31"/>
@@ -17515,11 +15853,7 @@
             <a:graphicFrameLocks noGrp="1"/>
           </p:cNvGraphicFramePr>
           <p:nvPr>
-            <p:extLst>
-              <p:ext uri="{D42A27DB-BD31-4B8C-83A1-F6EECF244321}">
-                <p14:modId xmlns:p14="http://schemas.microsoft.com/office/powerpoint/2010/main" val="1614506135"/>
-              </p:ext>
-            </p:extLst>
+            <p:extLst/>
           </p:nvPr>
         </p:nvGraphicFramePr>
         <p:xfrm>
@@ -17632,7 +15966,7 @@
           <p:nvPr/>
         </p:nvPicPr>
         <p:blipFill>
-          <a:blip r:embed="rId4"/>
+          <a:blip r:embed="rId3"/>
           <a:stretch>
             <a:fillRect/>
           </a:stretch>
@@ -17649,19 +15983,17 @@
       </p:pic>
       <p:graphicFrame>
         <p:nvGraphicFramePr>
-          <p:cNvPr id="21" name="Google Shape;165;g7c553259d1_0_81"/>
-          <p:cNvGraphicFramePr/>
+          <p:cNvPr id="22" name="표 21"/>
+          <p:cNvGraphicFramePr>
+            <a:graphicFrameLocks noGrp="1"/>
+          </p:cNvGraphicFramePr>
           <p:nvPr>
-            <p:extLst>
-              <p:ext uri="{D42A27DB-BD31-4B8C-83A1-F6EECF244321}">
-                <p14:modId xmlns:p14="http://schemas.microsoft.com/office/powerpoint/2010/main" val="2447729390"/>
-              </p:ext>
-            </p:extLst>
+            <p:extLst/>
           </p:nvPr>
         </p:nvGraphicFramePr>
         <p:xfrm>
-          <a:off x="1525399" y="179305"/>
-          <a:ext cx="6048672" cy="864096"/>
+          <a:off x="8583827" y="1277341"/>
+          <a:ext cx="3491813" cy="848244"/>
         </p:xfrm>
         <a:graphic>
           <a:graphicData uri="http://schemas.openxmlformats.org/drawingml/2006/table">
@@ -17670,220 +16002,7 @@
                 <a:noFill/>
               </a:tblPr>
               <a:tblGrid>
-                <a:gridCol w="1152128">
-                  <a:extLst>
-                    <a:ext uri="{9D8B030D-6E8A-4147-A177-3AD203B41FA5}">
-                      <a16:colId xmlns:a16="http://schemas.microsoft.com/office/drawing/2014/main" xmlns="" val="20000"/>
-                    </a:ext>
-                  </a:extLst>
-                </a:gridCol>
-                <a:gridCol w="4896544">
-                  <a:extLst>
-                    <a:ext uri="{9D8B030D-6E8A-4147-A177-3AD203B41FA5}">
-                      <a16:colId xmlns:a16="http://schemas.microsoft.com/office/drawing/2014/main" xmlns="" val="20001"/>
-                    </a:ext>
-                  </a:extLst>
-                </a:gridCol>
-              </a:tblGrid>
-              <a:tr h="864096">
-                <a:tc>
-                  <a:txBody>
-                    <a:bodyPr/>
-                    <a:lstStyle/>
-                    <a:p>
-                      <a:pPr marL="0" marR="0" lvl="0" indent="0" algn="ctr" rtl="0">
-                        <a:lnSpc>
-                          <a:spcPct val="100000"/>
-                        </a:lnSpc>
-                        <a:spcBef>
-                          <a:spcPts val="0"/>
-                        </a:spcBef>
-                        <a:spcAft>
-                          <a:spcPts val="0"/>
-                        </a:spcAft>
-                        <a:buClr>
-                          <a:srgbClr val="000000"/>
-                        </a:buClr>
-                        <a:buSzPts val="1500"/>
-                        <a:buFont typeface="Arial"/>
-                        <a:buNone/>
-                      </a:pPr>
-                      <a:r>
-                        <a:rPr lang="ko-KR" altLang="en-US" sz="2500" b="0" u="none" strike="noStrike" cap="none" dirty="0" err="1" smtClean="0">
-                          <a:solidFill>
-                            <a:schemeClr val="dk1"/>
-                          </a:solidFill>
-                        </a:rPr>
-                        <a:t>화면명</a:t>
-                      </a:r>
-                      <a:endParaRPr sz="2500" b="0" u="none" strike="noStrike" cap="none" dirty="0">
-                        <a:solidFill>
-                          <a:schemeClr val="dk1"/>
-                        </a:solidFill>
-                      </a:endParaRPr>
-                    </a:p>
-                  </a:txBody>
-                  <a:tcPr marL="74304" marR="74304" marT="45725" marB="45725" anchor="ctr">
-                    <a:lnL w="12700" cap="flat" cmpd="sng">
-                      <a:solidFill>
-                        <a:schemeClr val="dk1"/>
-                      </a:solidFill>
-                      <a:prstDash val="solid"/>
-                      <a:round/>
-                      <a:headEnd type="none" w="sm" len="sm"/>
-                      <a:tailEnd type="none" w="sm" len="sm"/>
-                    </a:lnL>
-                    <a:lnR w="12700" cap="flat" cmpd="sng">
-                      <a:solidFill>
-                        <a:schemeClr val="dk1"/>
-                      </a:solidFill>
-                      <a:prstDash val="solid"/>
-                      <a:round/>
-                      <a:headEnd type="none" w="sm" len="sm"/>
-                      <a:tailEnd type="none" w="sm" len="sm"/>
-                    </a:lnR>
-                    <a:lnT w="12700" cap="flat" cmpd="sng">
-                      <a:solidFill>
-                        <a:schemeClr val="dk1"/>
-                      </a:solidFill>
-                      <a:prstDash val="solid"/>
-                      <a:round/>
-                      <a:headEnd type="none" w="sm" len="sm"/>
-                      <a:tailEnd type="none" w="sm" len="sm"/>
-                    </a:lnT>
-                    <a:lnB w="12700" cap="flat" cmpd="sng">
-                      <a:solidFill>
-                        <a:schemeClr val="dk1"/>
-                      </a:solidFill>
-                      <a:prstDash val="solid"/>
-                      <a:round/>
-                      <a:headEnd type="none" w="sm" len="sm"/>
-                      <a:tailEnd type="none" w="sm" len="sm"/>
-                    </a:lnB>
-                    <a:solidFill>
-                      <a:srgbClr val="D8D8D8"/>
-                    </a:solidFill>
-                  </a:tcPr>
-                </a:tc>
-                <a:tc>
-                  <a:txBody>
-                    <a:bodyPr/>
-                    <a:lstStyle/>
-                    <a:p>
-                      <a:pPr marL="0" marR="0" lvl="0" indent="0" algn="ctr" defTabSz="914400" rtl="0" eaLnBrk="1" fontAlgn="auto" latinLnBrk="1" hangingPunct="1">
-                        <a:lnSpc>
-                          <a:spcPct val="100000"/>
-                        </a:lnSpc>
-                        <a:spcBef>
-                          <a:spcPts val="0"/>
-                        </a:spcBef>
-                        <a:spcAft>
-                          <a:spcPts val="0"/>
-                        </a:spcAft>
-                        <a:buClrTx/>
-                        <a:buSzTx/>
-                        <a:buFontTx/>
-                        <a:buNone/>
-                        <a:tabLst/>
-                        <a:defRPr sz="1500">
-                          <a:solidFill>
-                            <a:srgbClr val="0070C0"/>
-                          </a:solidFill>
-                        </a:defRPr>
-                      </a:pPr>
-                      <a:r>
-                        <a:rPr lang="ko-KR" altLang="en-US" sz="2800" dirty="0" smtClean="0">
-                          <a:solidFill>
-                            <a:schemeClr val="tx1"/>
-                          </a:solidFill>
-                        </a:rPr>
-                        <a:t>세미나 예약 관리</a:t>
-                      </a:r>
-                      <a:endParaRPr lang="en-US" altLang="ko-KR" sz="2800" dirty="0">
-                        <a:solidFill>
-                          <a:schemeClr val="tx1"/>
-                        </a:solidFill>
-                      </a:endParaRPr>
-                    </a:p>
-                  </a:txBody>
-                  <a:tcPr marL="74304" marR="74304" marT="45725" marB="45725" anchor="ctr">
-                    <a:lnL w="12700" cap="flat" cmpd="sng">
-                      <a:solidFill>
-                        <a:schemeClr val="dk1"/>
-                      </a:solidFill>
-                      <a:prstDash val="solid"/>
-                      <a:round/>
-                      <a:headEnd type="none" w="sm" len="sm"/>
-                      <a:tailEnd type="none" w="sm" len="sm"/>
-                    </a:lnL>
-                    <a:lnR w="12700" cap="flat" cmpd="sng">
-                      <a:solidFill>
-                        <a:schemeClr val="dk1"/>
-                      </a:solidFill>
-                      <a:prstDash val="solid"/>
-                      <a:round/>
-                      <a:headEnd type="none" w="sm" len="sm"/>
-                      <a:tailEnd type="none" w="sm" len="sm"/>
-                    </a:lnR>
-                    <a:lnT w="12700" cap="flat" cmpd="sng">
-                      <a:solidFill>
-                        <a:schemeClr val="dk1"/>
-                      </a:solidFill>
-                      <a:prstDash val="solid"/>
-                      <a:round/>
-                      <a:headEnd type="none" w="sm" len="sm"/>
-                      <a:tailEnd type="none" w="sm" len="sm"/>
-                    </a:lnT>
-                    <a:lnB w="12700" cap="flat" cmpd="sng">
-                      <a:solidFill>
-                        <a:schemeClr val="dk1"/>
-                      </a:solidFill>
-                      <a:prstDash val="solid"/>
-                      <a:round/>
-                      <a:headEnd type="none" w="sm" len="sm"/>
-                      <a:tailEnd type="none" w="sm" len="sm"/>
-                    </a:lnB>
-                    <a:solidFill>
-                      <a:schemeClr val="lt1"/>
-                    </a:solidFill>
-                  </a:tcPr>
-                </a:tc>
-                <a:extLst>
-                  <a:ext uri="{0D108BD9-81ED-4DB2-BD59-A6C34878D82A}">
-                    <a16:rowId xmlns:a16="http://schemas.microsoft.com/office/drawing/2014/main" xmlns="" val="10000"/>
-                  </a:ext>
-                </a:extLst>
-              </a:tr>
-            </a:tbl>
-          </a:graphicData>
-        </a:graphic>
-      </p:graphicFrame>
-      <p:graphicFrame>
-        <p:nvGraphicFramePr>
-          <p:cNvPr id="22" name="표 21"/>
-          <p:cNvGraphicFramePr>
-            <a:graphicFrameLocks noGrp="1"/>
-          </p:cNvGraphicFramePr>
-          <p:nvPr>
-            <p:extLst>
-              <p:ext uri="{D42A27DB-BD31-4B8C-83A1-F6EECF244321}">
-                <p14:modId xmlns:p14="http://schemas.microsoft.com/office/powerpoint/2010/main" val="1367331978"/>
-              </p:ext>
-            </p:extLst>
-          </p:nvPr>
-        </p:nvGraphicFramePr>
-        <p:xfrm>
-          <a:off x="8509686" y="168110"/>
-          <a:ext cx="2441795" cy="848244"/>
-        </p:xfrm>
-        <a:graphic>
-          <a:graphicData uri="http://schemas.openxmlformats.org/drawingml/2006/table">
-            <a:tbl>
-              <a:tblPr firstRow="1" bandRow="1">
-                <a:noFill/>
-              </a:tblPr>
-              <a:tblGrid>
-                <a:gridCol w="2441795"/>
+                <a:gridCol w="3491813"/>
               </a:tblGrid>
               <a:tr h="413450">
                 <a:tc>
@@ -18061,58 +16180,46 @@
       </p:graphicFrame>
       <p:sp>
         <p:nvSpPr>
-          <p:cNvPr id="20" name="직사각형 19"/>
+          <p:cNvPr id="4" name="직사각형 3"/>
           <p:cNvSpPr/>
           <p:nvPr/>
         </p:nvSpPr>
         <p:spPr>
           <a:xfrm>
-            <a:off x="1911170" y="1937702"/>
-            <a:ext cx="296562" cy="344798"/>
+            <a:off x="131601" y="273112"/>
+            <a:ext cx="2653291" cy="477054"/>
           </a:xfrm>
           <a:prstGeom prst="rect">
             <a:avLst/>
           </a:prstGeom>
-          <a:solidFill>
-            <a:srgbClr val="FF0000"/>
-          </a:solidFill>
-          <a:ln>
-            <a:noFill/>
-          </a:ln>
         </p:spPr>
-        <p:style>
-          <a:lnRef idx="2">
-            <a:schemeClr val="accent1">
-              <a:shade val="50000"/>
-            </a:schemeClr>
-          </a:lnRef>
-          <a:fillRef idx="1">
-            <a:schemeClr val="accent1"/>
-          </a:fillRef>
-          <a:effectRef idx="0">
-            <a:schemeClr val="accent1"/>
-          </a:effectRef>
-          <a:fontRef idx="minor">
-            <a:schemeClr val="lt1"/>
-          </a:fontRef>
-        </p:style>
         <p:txBody>
-          <a:bodyPr rtlCol="0" anchor="ctr"/>
+          <a:bodyPr wrap="none">
+            <a:spAutoFit/>
+          </a:bodyPr>
           <a:lstStyle/>
           <a:p>
-            <a:pPr algn="ctr"/>
+            <a:pPr lvl="0" algn="ctr">
+              <a:defRPr sz="1500">
+                <a:solidFill>
+                  <a:srgbClr val="0070C0"/>
+                </a:solidFill>
+              </a:defRPr>
+            </a:pPr>
             <a:r>
-              <a:rPr lang="en-US" altLang="ko-KR" b="1" dirty="0" smtClean="0">
+              <a:rPr lang="ko-KR" altLang="en-US" sz="2500" dirty="0">
                 <a:solidFill>
                   <a:schemeClr val="bg1"/>
                 </a:solidFill>
+                <a:latin typeface="+mj-lt"/>
               </a:rPr>
-              <a:t>1</a:t>
+              <a:t>세미나 예약 관리</a:t>
             </a:r>
-            <a:endParaRPr lang="ko-KR" altLang="en-US" b="1" dirty="0">
+            <a:endParaRPr lang="en-US" altLang="ko-KR" sz="2500" dirty="0">
               <a:solidFill>
                 <a:schemeClr val="bg1"/>
               </a:solidFill>
+              <a:latin typeface="+mj-lt"/>
             </a:endParaRPr>
           </a:p>
         </p:txBody>
@@ -18120,7 +16227,7 @@
     </p:spTree>
     <p:extLst>
       <p:ext uri="{BB962C8B-B14F-4D97-AF65-F5344CB8AC3E}">
-        <p14:creationId xmlns:p14="http://schemas.microsoft.com/office/powerpoint/2010/main" val="2340216906"/>
+        <p14:creationId xmlns:p14="http://schemas.microsoft.com/office/powerpoint/2010/main" val="3718976829"/>
       </p:ext>
     </p:extLst>
   </p:cSld>
@@ -18159,15 +16266,11 @@
           <p:cNvPr id="99" name="표 13"/>
           <p:cNvGraphicFramePr/>
           <p:nvPr>
-            <p:extLst>
-              <p:ext uri="{D42A27DB-BD31-4B8C-83A1-F6EECF244321}">
-                <p14:modId xmlns:p14="http://schemas.microsoft.com/office/powerpoint/2010/main" val="3613602678"/>
-              </p:ext>
-            </p:extLst>
+            <p:extLst/>
           </p:nvPr>
         </p:nvGraphicFramePr>
         <p:xfrm>
-          <a:off x="8509686" y="1289960"/>
+          <a:off x="8509686" y="2399191"/>
           <a:ext cx="3491813" cy="1326453"/>
         </p:xfrm>
         <a:graphic>
@@ -18295,10 +16398,9 @@
                         <a:defRPr sz="1800"/>
                       </a:pPr>
                       <a:r>
-                        <a:rPr lang="en-US" sz="1500" dirty="0" smtClean="0"/>
-                        <a:t>4</a:t>
-                      </a:r>
-                      <a:endParaRPr sz="1500" dirty="0"/>
+                        <a:rPr sz="1500"/>
+                        <a:t>1</a:t>
+                      </a:r>
                     </a:p>
                   </a:txBody>
                   <a:tcPr marL="45720" marR="45720" anchor="ctr" horzOverflow="overflow">
@@ -22620,7 +20722,7 @@
           <p:nvPr/>
         </p:nvPicPr>
         <p:blipFill>
-          <a:blip r:embed="rId3"/>
+          <a:blip r:embed="rId2"/>
           <a:stretch>
             <a:fillRect/>
           </a:stretch>
@@ -22635,6 +20737,64 @@
           </a:prstGeom>
         </p:spPr>
       </p:pic>
+      <p:sp>
+        <p:nvSpPr>
+          <p:cNvPr id="31" name="직사각형 30"/>
+          <p:cNvSpPr/>
+          <p:nvPr/>
+        </p:nvSpPr>
+        <p:spPr>
+          <a:xfrm>
+            <a:off x="1919409" y="1780787"/>
+            <a:ext cx="296562" cy="344798"/>
+          </a:xfrm>
+          <a:prstGeom prst="rect">
+            <a:avLst/>
+          </a:prstGeom>
+          <a:solidFill>
+            <a:srgbClr val="FF0000"/>
+          </a:solidFill>
+          <a:ln>
+            <a:noFill/>
+          </a:ln>
+        </p:spPr>
+        <p:style>
+          <a:lnRef idx="2">
+            <a:schemeClr val="accent1">
+              <a:shade val="50000"/>
+            </a:schemeClr>
+          </a:lnRef>
+          <a:fillRef idx="1">
+            <a:schemeClr val="accent1"/>
+          </a:fillRef>
+          <a:effectRef idx="0">
+            <a:schemeClr val="accent1"/>
+          </a:effectRef>
+          <a:fontRef idx="minor">
+            <a:schemeClr val="lt1"/>
+          </a:fontRef>
+        </p:style>
+        <p:txBody>
+          <a:bodyPr rtlCol="0" anchor="ctr"/>
+          <a:lstStyle/>
+          <a:p>
+            <a:pPr algn="ctr"/>
+            <a:r>
+              <a:rPr lang="en-US" altLang="ko-KR" b="1" dirty="0" smtClean="0">
+                <a:solidFill>
+                  <a:schemeClr val="bg1"/>
+                </a:solidFill>
+              </a:rPr>
+              <a:t>8</a:t>
+            </a:r>
+            <a:endParaRPr lang="ko-KR" altLang="en-US" b="1" dirty="0">
+              <a:solidFill>
+                <a:schemeClr val="bg1"/>
+              </a:solidFill>
+            </a:endParaRPr>
+          </a:p>
+        </p:txBody>
+      </p:sp>
       <p:graphicFrame>
         <p:nvGraphicFramePr>
           <p:cNvPr id="19" name="표 18"/>
@@ -22642,15 +20802,11 @@
             <a:graphicFrameLocks noGrp="1"/>
           </p:cNvGraphicFramePr>
           <p:nvPr>
-            <p:extLst>
-              <p:ext uri="{D42A27DB-BD31-4B8C-83A1-F6EECF244321}">
-                <p14:modId xmlns:p14="http://schemas.microsoft.com/office/powerpoint/2010/main" val="3345346238"/>
-              </p:ext>
-            </p:extLst>
+            <p:extLst/>
           </p:nvPr>
         </p:nvGraphicFramePr>
         <p:xfrm>
-          <a:off x="139839" y="1284912"/>
+          <a:off x="139839" y="1289958"/>
           <a:ext cx="8032096" cy="5334000"/>
         </p:xfrm>
         <a:graphic>
@@ -22747,11 +20903,7 @@
             <a:graphicFrameLocks noGrp="1"/>
           </p:cNvGraphicFramePr>
           <p:nvPr>
-            <p:extLst>
-              <p:ext uri="{D42A27DB-BD31-4B8C-83A1-F6EECF244321}">
-                <p14:modId xmlns:p14="http://schemas.microsoft.com/office/powerpoint/2010/main" val="277396010"/>
-              </p:ext>
-            </p:extLst>
+            <p:extLst/>
           </p:nvPr>
         </p:nvGraphicFramePr>
         <p:xfrm>
@@ -22894,11 +21046,7 @@
             <a:graphicFrameLocks noGrp="1"/>
           </p:cNvGraphicFramePr>
           <p:nvPr>
-            <p:extLst>
-              <p:ext uri="{D42A27DB-BD31-4B8C-83A1-F6EECF244321}">
-                <p14:modId xmlns:p14="http://schemas.microsoft.com/office/powerpoint/2010/main" val="797752044"/>
-              </p:ext>
-            </p:extLst>
+            <p:extLst/>
           </p:nvPr>
         </p:nvGraphicFramePr>
         <p:xfrm>
@@ -24119,239 +22267,16 @@
       </p:sp>
       <p:graphicFrame>
         <p:nvGraphicFramePr>
-          <p:cNvPr id="34" name="Google Shape;165;g7c553259d1_0_81"/>
-          <p:cNvGraphicFramePr/>
-          <p:nvPr>
-            <p:extLst>
-              <p:ext uri="{D42A27DB-BD31-4B8C-83A1-F6EECF244321}">
-                <p14:modId xmlns:p14="http://schemas.microsoft.com/office/powerpoint/2010/main" val="1360812236"/>
-              </p:ext>
-            </p:extLst>
-          </p:nvPr>
-        </p:nvGraphicFramePr>
-        <p:xfrm>
-          <a:off x="1525399" y="179305"/>
-          <a:ext cx="6048672" cy="864096"/>
-        </p:xfrm>
-        <a:graphic>
-          <a:graphicData uri="http://schemas.openxmlformats.org/drawingml/2006/table">
-            <a:tbl>
-              <a:tblPr firstRow="1" bandRow="1">
-                <a:noFill/>
-              </a:tblPr>
-              <a:tblGrid>
-                <a:gridCol w="1152128">
-                  <a:extLst>
-                    <a:ext uri="{9D8B030D-6E8A-4147-A177-3AD203B41FA5}">
-                      <a16:colId xmlns:a16="http://schemas.microsoft.com/office/drawing/2014/main" xmlns="" val="20000"/>
-                    </a:ext>
-                  </a:extLst>
-                </a:gridCol>
-                <a:gridCol w="4896544">
-                  <a:extLst>
-                    <a:ext uri="{9D8B030D-6E8A-4147-A177-3AD203B41FA5}">
-                      <a16:colId xmlns:a16="http://schemas.microsoft.com/office/drawing/2014/main" xmlns="" val="20001"/>
-                    </a:ext>
-                  </a:extLst>
-                </a:gridCol>
-              </a:tblGrid>
-              <a:tr h="864096">
-                <a:tc>
-                  <a:txBody>
-                    <a:bodyPr/>
-                    <a:lstStyle/>
-                    <a:p>
-                      <a:pPr marL="0" marR="0" lvl="0" indent="0" algn="ctr" rtl="0">
-                        <a:lnSpc>
-                          <a:spcPct val="100000"/>
-                        </a:lnSpc>
-                        <a:spcBef>
-                          <a:spcPts val="0"/>
-                        </a:spcBef>
-                        <a:spcAft>
-                          <a:spcPts val="0"/>
-                        </a:spcAft>
-                        <a:buClr>
-                          <a:srgbClr val="000000"/>
-                        </a:buClr>
-                        <a:buSzPts val="1500"/>
-                        <a:buFont typeface="Arial"/>
-                        <a:buNone/>
-                      </a:pPr>
-                      <a:r>
-                        <a:rPr lang="ko-KR" altLang="en-US" sz="2500" b="0" u="none" strike="noStrike" cap="none" dirty="0" err="1" smtClean="0">
-                          <a:solidFill>
-                            <a:schemeClr val="dk1"/>
-                          </a:solidFill>
-                        </a:rPr>
-                        <a:t>화면명</a:t>
-                      </a:r>
-                      <a:endParaRPr sz="2500" b="0" u="none" strike="noStrike" cap="none" dirty="0">
-                        <a:solidFill>
-                          <a:schemeClr val="dk1"/>
-                        </a:solidFill>
-                      </a:endParaRPr>
-                    </a:p>
-                  </a:txBody>
-                  <a:tcPr marL="74304" marR="74304" marT="45725" marB="45725" anchor="ctr">
-                    <a:lnL w="12700" cap="flat" cmpd="sng">
-                      <a:solidFill>
-                        <a:schemeClr val="dk1"/>
-                      </a:solidFill>
-                      <a:prstDash val="solid"/>
-                      <a:round/>
-                      <a:headEnd type="none" w="sm" len="sm"/>
-                      <a:tailEnd type="none" w="sm" len="sm"/>
-                    </a:lnL>
-                    <a:lnR w="12700" cap="flat" cmpd="sng">
-                      <a:solidFill>
-                        <a:schemeClr val="dk1"/>
-                      </a:solidFill>
-                      <a:prstDash val="solid"/>
-                      <a:round/>
-                      <a:headEnd type="none" w="sm" len="sm"/>
-                      <a:tailEnd type="none" w="sm" len="sm"/>
-                    </a:lnR>
-                    <a:lnT w="12700" cap="flat" cmpd="sng">
-                      <a:solidFill>
-                        <a:schemeClr val="dk1"/>
-                      </a:solidFill>
-                      <a:prstDash val="solid"/>
-                      <a:round/>
-                      <a:headEnd type="none" w="sm" len="sm"/>
-                      <a:tailEnd type="none" w="sm" len="sm"/>
-                    </a:lnT>
-                    <a:lnB w="12700" cap="flat" cmpd="sng">
-                      <a:solidFill>
-                        <a:schemeClr val="dk1"/>
-                      </a:solidFill>
-                      <a:prstDash val="solid"/>
-                      <a:round/>
-                      <a:headEnd type="none" w="sm" len="sm"/>
-                      <a:tailEnd type="none" w="sm" len="sm"/>
-                    </a:lnB>
-                    <a:solidFill>
-                      <a:srgbClr val="D8D8D8"/>
-                    </a:solidFill>
-                  </a:tcPr>
-                </a:tc>
-                <a:tc>
-                  <a:txBody>
-                    <a:bodyPr/>
-                    <a:lstStyle/>
-                    <a:p>
-                      <a:pPr marL="0" marR="0" lvl="0" indent="0" algn="ctr" defTabSz="914400" rtl="0" eaLnBrk="1" fontAlgn="auto" latinLnBrk="1" hangingPunct="1">
-                        <a:lnSpc>
-                          <a:spcPct val="100000"/>
-                        </a:lnSpc>
-                        <a:spcBef>
-                          <a:spcPts val="0"/>
-                        </a:spcBef>
-                        <a:spcAft>
-                          <a:spcPts val="0"/>
-                        </a:spcAft>
-                        <a:buClrTx/>
-                        <a:buSzTx/>
-                        <a:buFontTx/>
-                        <a:buNone/>
-                        <a:tabLst/>
-                        <a:defRPr sz="1500">
-                          <a:solidFill>
-                            <a:srgbClr val="0070C0"/>
-                          </a:solidFill>
-                        </a:defRPr>
-                      </a:pPr>
-                      <a:r>
-                        <a:rPr lang="ko-KR" altLang="en-US" sz="2800" dirty="0" smtClean="0">
-                          <a:solidFill>
-                            <a:schemeClr val="tx1"/>
-                          </a:solidFill>
-                        </a:rPr>
-                        <a:t>세미나 예약 관리 </a:t>
-                      </a:r>
-                      <a:r>
-                        <a:rPr lang="en-US" altLang="ko-KR" sz="2000" dirty="0" smtClean="0">
-                          <a:solidFill>
-                            <a:schemeClr val="tx1"/>
-                          </a:solidFill>
-                        </a:rPr>
-                        <a:t>– modal3</a:t>
-                      </a:r>
-                      <a:endParaRPr lang="en-US" altLang="ko-KR" sz="2000" dirty="0">
-                        <a:solidFill>
-                          <a:schemeClr val="tx1"/>
-                        </a:solidFill>
-                      </a:endParaRPr>
-                    </a:p>
-                  </a:txBody>
-                  <a:tcPr marL="74304" marR="74304" marT="45725" marB="45725" anchor="ctr">
-                    <a:lnL w="12700" cap="flat" cmpd="sng">
-                      <a:solidFill>
-                        <a:schemeClr val="dk1"/>
-                      </a:solidFill>
-                      <a:prstDash val="solid"/>
-                      <a:round/>
-                      <a:headEnd type="none" w="sm" len="sm"/>
-                      <a:tailEnd type="none" w="sm" len="sm"/>
-                    </a:lnL>
-                    <a:lnR w="12700" cap="flat" cmpd="sng">
-                      <a:solidFill>
-                        <a:schemeClr val="dk1"/>
-                      </a:solidFill>
-                      <a:prstDash val="solid"/>
-                      <a:round/>
-                      <a:headEnd type="none" w="sm" len="sm"/>
-                      <a:tailEnd type="none" w="sm" len="sm"/>
-                    </a:lnR>
-                    <a:lnT w="12700" cap="flat" cmpd="sng">
-                      <a:solidFill>
-                        <a:schemeClr val="dk1"/>
-                      </a:solidFill>
-                      <a:prstDash val="solid"/>
-                      <a:round/>
-                      <a:headEnd type="none" w="sm" len="sm"/>
-                      <a:tailEnd type="none" w="sm" len="sm"/>
-                    </a:lnT>
-                    <a:lnB w="12700" cap="flat" cmpd="sng">
-                      <a:solidFill>
-                        <a:schemeClr val="dk1"/>
-                      </a:solidFill>
-                      <a:prstDash val="solid"/>
-                      <a:round/>
-                      <a:headEnd type="none" w="sm" len="sm"/>
-                      <a:tailEnd type="none" w="sm" len="sm"/>
-                    </a:lnB>
-                    <a:solidFill>
-                      <a:schemeClr val="lt1"/>
-                    </a:solidFill>
-                  </a:tcPr>
-                </a:tc>
-                <a:extLst>
-                  <a:ext uri="{0D108BD9-81ED-4DB2-BD59-A6C34878D82A}">
-                    <a16:rowId xmlns:a16="http://schemas.microsoft.com/office/drawing/2014/main" xmlns="" val="10000"/>
-                  </a:ext>
-                </a:extLst>
-              </a:tr>
-            </a:tbl>
-          </a:graphicData>
-        </a:graphic>
-      </p:graphicFrame>
-      <p:graphicFrame>
-        <p:nvGraphicFramePr>
           <p:cNvPr id="35" name="표 34"/>
           <p:cNvGraphicFramePr>
             <a:graphicFrameLocks noGrp="1"/>
           </p:cNvGraphicFramePr>
           <p:nvPr>
-            <p:extLst>
-              <p:ext uri="{D42A27DB-BD31-4B8C-83A1-F6EECF244321}">
-                <p14:modId xmlns:p14="http://schemas.microsoft.com/office/powerpoint/2010/main" val="36471724"/>
-              </p:ext>
-            </p:extLst>
+            <p:extLst/>
           </p:nvPr>
         </p:nvGraphicFramePr>
         <p:xfrm>
-          <a:off x="8509686" y="168110"/>
+          <a:off x="8509686" y="1277341"/>
           <a:ext cx="2441795" cy="848244"/>
         </p:xfrm>
         <a:graphic>
@@ -24539,66 +22464,57 @@
       </p:graphicFrame>
       <p:sp>
         <p:nvSpPr>
-          <p:cNvPr id="32" name="직사각형 31"/>
+          <p:cNvPr id="5" name="직사각형 4"/>
           <p:cNvSpPr/>
           <p:nvPr/>
         </p:nvSpPr>
         <p:spPr>
           <a:xfrm>
-            <a:off x="2043555" y="1636327"/>
-            <a:ext cx="296562" cy="344798"/>
+            <a:off x="201410" y="226705"/>
+            <a:ext cx="4131259" cy="477054"/>
           </a:xfrm>
           <a:prstGeom prst="rect">
             <a:avLst/>
           </a:prstGeom>
-          <a:solidFill>
-            <a:srgbClr val="FF0000"/>
-          </a:solidFill>
-          <a:ln>
-            <a:noFill/>
-          </a:ln>
         </p:spPr>
-        <p:style>
-          <a:lnRef idx="2">
-            <a:schemeClr val="accent1">
-              <a:shade val="50000"/>
-            </a:schemeClr>
-          </a:lnRef>
-          <a:fillRef idx="1">
-            <a:schemeClr val="accent1"/>
-          </a:fillRef>
-          <a:effectRef idx="0">
-            <a:schemeClr val="accent1"/>
-          </a:effectRef>
-          <a:fontRef idx="minor">
-            <a:schemeClr val="lt1"/>
-          </a:fontRef>
-        </p:style>
         <p:txBody>
-          <a:bodyPr rtlCol="0" anchor="ctr"/>
+          <a:bodyPr wrap="none">
+            <a:spAutoFit/>
+          </a:bodyPr>
           <a:lstStyle/>
           <a:p>
-            <a:pPr algn="ctr"/>
+            <a:pPr lvl="0" algn="ctr">
+              <a:defRPr sz="1500">
+                <a:solidFill>
+                  <a:srgbClr val="0070C0"/>
+                </a:solidFill>
+              </a:defRPr>
+            </a:pPr>
             <a:r>
-              <a:rPr lang="en-US" altLang="ko-KR" b="1" dirty="0" smtClean="0">
+              <a:rPr lang="ko-KR" altLang="en-US" sz="2500" dirty="0">
                 <a:solidFill>
                   <a:schemeClr val="bg1"/>
                 </a:solidFill>
+                <a:latin typeface="+mj-lt"/>
               </a:rPr>
-              <a:t>4</a:t>
+              <a:t>세미나 예약 관리 </a:t>
             </a:r>
-            <a:endParaRPr lang="ko-KR" altLang="en-US" b="1" dirty="0">
-              <a:solidFill>
-                <a:schemeClr val="bg1"/>
-              </a:solidFill>
-            </a:endParaRPr>
+            <a:r>
+              <a:rPr lang="en-US" altLang="ko-KR" sz="2500" dirty="0">
+                <a:solidFill>
+                  <a:schemeClr val="bg1"/>
+                </a:solidFill>
+                <a:latin typeface="+mj-lt"/>
+              </a:rPr>
+              <a:t>– modal3</a:t>
+            </a:r>
           </a:p>
         </p:txBody>
       </p:sp>
     </p:spTree>
     <p:extLst>
       <p:ext uri="{BB962C8B-B14F-4D97-AF65-F5344CB8AC3E}">
-        <p14:creationId xmlns:p14="http://schemas.microsoft.com/office/powerpoint/2010/main" val="3832490571"/>
+        <p14:creationId xmlns:p14="http://schemas.microsoft.com/office/powerpoint/2010/main" val="414369807"/>
       </p:ext>
     </p:extLst>
   </p:cSld>
